--- a/images/figures.pptx
+++ b/images/figures.pptx
@@ -7,6 +7,7 @@
   <p:sldIdLst>
     <p:sldId id="256" r:id="rId2"/>
     <p:sldId id="257" r:id="rId3"/>
+    <p:sldId id="258" r:id="rId4"/>
   </p:sldIdLst>
   <p:sldSz cx="12192000" cy="6858000"/>
   <p:notesSz cx="6858000" cy="9144000"/>
@@ -105,6 +106,11 @@
       </a:defRPr>
     </a:lvl9pPr>
   </p:defaultTextStyle>
+  <p:extLst>
+    <p:ext uri="{EFAFB233-063F-42B5-8137-9DF3F51BA10A}">
+      <p15:sldGuideLst xmlns:p15="http://schemas.microsoft.com/office/powerpoint/2012/main"/>
+    </p:ext>
+  </p:extLst>
 </p:presentation>
 </file>
 
@@ -5328,6 +5334,1287 @@
 </p:sld>
 </file>
 
+<file path=ppt/slides/slide3.xml><?xml version="1.0" encoding="utf-8"?>
+<p:sld xmlns:a="http://schemas.openxmlformats.org/drawingml/2006/main" xmlns:r="http://schemas.openxmlformats.org/officeDocument/2006/relationships" xmlns:p="http://schemas.openxmlformats.org/presentationml/2006/main">
+  <p:cSld>
+    <p:spTree>
+      <p:nvGrpSpPr>
+        <p:cNvPr id="1" name=""/>
+        <p:cNvGrpSpPr/>
+        <p:nvPr/>
+      </p:nvGrpSpPr>
+      <p:grpSpPr>
+        <a:xfrm>
+          <a:off x="0" y="0"/>
+          <a:ext cx="0" cy="0"/>
+          <a:chOff x="0" y="0"/>
+          <a:chExt cx="0" cy="0"/>
+        </a:xfrm>
+      </p:grpSpPr>
+      <p:pic>
+        <p:nvPicPr>
+          <p:cNvPr id="59" name="Picture 58">
+            <a:extLst>
+              <a:ext uri="{FF2B5EF4-FFF2-40B4-BE49-F238E27FC236}">
+                <a16:creationId xmlns:a16="http://schemas.microsoft.com/office/drawing/2014/main" id="{2BC653B6-311E-AD41-A10D-E7A0E03F0881}"/>
+              </a:ext>
+            </a:extLst>
+          </p:cNvPr>
+          <p:cNvPicPr>
+            <a:picLocks noChangeAspect="1"/>
+          </p:cNvPicPr>
+          <p:nvPr/>
+        </p:nvPicPr>
+        <p:blipFill>
+          <a:blip r:embed="rId2"/>
+          <a:stretch>
+            <a:fillRect/>
+          </a:stretch>
+        </p:blipFill>
+        <p:spPr>
+          <a:xfrm flipV="1">
+            <a:off x="447652" y="2866714"/>
+            <a:ext cx="1664238" cy="1720973"/>
+          </a:xfrm>
+          <a:prstGeom prst="rect">
+            <a:avLst/>
+          </a:prstGeom>
+        </p:spPr>
+      </p:pic>
+      <p:pic>
+        <p:nvPicPr>
+          <p:cNvPr id="60" name="Picture 59">
+            <a:extLst>
+              <a:ext uri="{FF2B5EF4-FFF2-40B4-BE49-F238E27FC236}">
+                <a16:creationId xmlns:a16="http://schemas.microsoft.com/office/drawing/2014/main" id="{77095FD4-A2AE-5F4F-A6ED-059010A2475F}"/>
+              </a:ext>
+            </a:extLst>
+          </p:cNvPr>
+          <p:cNvPicPr>
+            <a:picLocks noChangeAspect="1"/>
+          </p:cNvPicPr>
+          <p:nvPr/>
+        </p:nvPicPr>
+        <p:blipFill>
+          <a:blip r:embed="rId2"/>
+          <a:stretch>
+            <a:fillRect/>
+          </a:stretch>
+        </p:blipFill>
+        <p:spPr>
+          <a:xfrm flipV="1">
+            <a:off x="2706991" y="2863867"/>
+            <a:ext cx="1664238" cy="1720973"/>
+          </a:xfrm>
+          <a:prstGeom prst="rect">
+            <a:avLst/>
+          </a:prstGeom>
+        </p:spPr>
+      </p:pic>
+      <p:pic>
+        <p:nvPicPr>
+          <p:cNvPr id="56" name="Picture 55">
+            <a:extLst>
+              <a:ext uri="{FF2B5EF4-FFF2-40B4-BE49-F238E27FC236}">
+                <a16:creationId xmlns:a16="http://schemas.microsoft.com/office/drawing/2014/main" id="{9E657EF7-9D5C-AE48-9E35-61363C7D5FF6}"/>
+              </a:ext>
+            </a:extLst>
+          </p:cNvPr>
+          <p:cNvPicPr>
+            <a:picLocks noChangeAspect="1"/>
+          </p:cNvPicPr>
+          <p:nvPr/>
+        </p:nvPicPr>
+        <p:blipFill>
+          <a:blip r:embed="rId2"/>
+          <a:stretch>
+            <a:fillRect/>
+          </a:stretch>
+        </p:blipFill>
+        <p:spPr>
+          <a:xfrm flipH="1" flipV="1">
+            <a:off x="7346234" y="2866715"/>
+            <a:ext cx="1664238" cy="1720973"/>
+          </a:xfrm>
+          <a:prstGeom prst="rect">
+            <a:avLst/>
+          </a:prstGeom>
+        </p:spPr>
+      </p:pic>
+      <p:pic>
+        <p:nvPicPr>
+          <p:cNvPr id="54" name="Picture 53">
+            <a:extLst>
+              <a:ext uri="{FF2B5EF4-FFF2-40B4-BE49-F238E27FC236}">
+                <a16:creationId xmlns:a16="http://schemas.microsoft.com/office/drawing/2014/main" id="{A46091E7-1141-D84D-81CF-C744BC06B906}"/>
+              </a:ext>
+            </a:extLst>
+          </p:cNvPr>
+          <p:cNvPicPr>
+            <a:picLocks noChangeAspect="1"/>
+          </p:cNvPicPr>
+          <p:nvPr/>
+        </p:nvPicPr>
+        <p:blipFill>
+          <a:blip r:embed="rId2"/>
+          <a:stretch>
+            <a:fillRect/>
+          </a:stretch>
+        </p:blipFill>
+        <p:spPr>
+          <a:xfrm flipH="1" flipV="1">
+            <a:off x="5154170" y="2832307"/>
+            <a:ext cx="1664238" cy="1720973"/>
+          </a:xfrm>
+          <a:prstGeom prst="rect">
+            <a:avLst/>
+          </a:prstGeom>
+        </p:spPr>
+      </p:pic>
+      <p:pic>
+        <p:nvPicPr>
+          <p:cNvPr id="51" name="Picture 50">
+            <a:extLst>
+              <a:ext uri="{FF2B5EF4-FFF2-40B4-BE49-F238E27FC236}">
+                <a16:creationId xmlns:a16="http://schemas.microsoft.com/office/drawing/2014/main" id="{8AB7F9F5-9D8B-3F4B-83FB-DF9EC40418AE}"/>
+              </a:ext>
+            </a:extLst>
+          </p:cNvPr>
+          <p:cNvPicPr>
+            <a:picLocks noChangeAspect="1"/>
+          </p:cNvPicPr>
+          <p:nvPr/>
+        </p:nvPicPr>
+        <p:blipFill>
+          <a:blip r:embed="rId2"/>
+          <a:stretch>
+            <a:fillRect/>
+          </a:stretch>
+        </p:blipFill>
+        <p:spPr>
+          <a:xfrm flipH="1">
+            <a:off x="6412187" y="108697"/>
+            <a:ext cx="2030280" cy="2099494"/>
+          </a:xfrm>
+          <a:prstGeom prst="rect">
+            <a:avLst/>
+          </a:prstGeom>
+        </p:spPr>
+      </p:pic>
+      <p:sp>
+        <p:nvSpPr>
+          <p:cNvPr id="6" name="Action Button: Document 5">
+            <a:hlinkClick r:id="" action="ppaction://noaction" highlightClick="1"/>
+            <a:extLst>
+              <a:ext uri="{FF2B5EF4-FFF2-40B4-BE49-F238E27FC236}">
+                <a16:creationId xmlns:a16="http://schemas.microsoft.com/office/drawing/2014/main" id="{68EB5451-2B88-DD44-8945-00EC239C8048}"/>
+              </a:ext>
+            </a:extLst>
+          </p:cNvPr>
+          <p:cNvSpPr/>
+          <p:nvPr/>
+        </p:nvSpPr>
+        <p:spPr>
+          <a:xfrm>
+            <a:off x="5424214" y="4781049"/>
+            <a:ext cx="987973" cy="1090449"/>
+          </a:xfrm>
+          <a:prstGeom prst="actionButtonDocument">
+            <a:avLst/>
+          </a:prstGeom>
+          <a:solidFill>
+            <a:schemeClr val="accent2">
+              <a:lumMod val="60000"/>
+              <a:lumOff val="40000"/>
+            </a:schemeClr>
+          </a:solidFill>
+          <a:ln>
+            <a:solidFill>
+              <a:schemeClr val="bg1"/>
+            </a:solidFill>
+          </a:ln>
+        </p:spPr>
+        <p:style>
+          <a:lnRef idx="2">
+            <a:schemeClr val="accent1">
+              <a:shade val="50000"/>
+            </a:schemeClr>
+          </a:lnRef>
+          <a:fillRef idx="1">
+            <a:schemeClr val="accent1"/>
+          </a:fillRef>
+          <a:effectRef idx="0">
+            <a:schemeClr val="accent1"/>
+          </a:effectRef>
+          <a:fontRef idx="minor">
+            <a:schemeClr val="lt1"/>
+          </a:fontRef>
+        </p:style>
+        <p:txBody>
+          <a:bodyPr rtlCol="0" anchor="ctr"/>
+          <a:lstStyle/>
+          <a:p>
+            <a:pPr algn="ctr"/>
+            <a:endParaRPr lang="en-US"/>
+          </a:p>
+        </p:txBody>
+      </p:sp>
+      <p:sp>
+        <p:nvSpPr>
+          <p:cNvPr id="7" name="Action Button: Document 6">
+            <a:hlinkClick r:id="" action="ppaction://noaction" highlightClick="1"/>
+            <a:extLst>
+              <a:ext uri="{FF2B5EF4-FFF2-40B4-BE49-F238E27FC236}">
+                <a16:creationId xmlns:a16="http://schemas.microsoft.com/office/drawing/2014/main" id="{CF3C8680-CCE6-8841-A3C3-E5222E4B433D}"/>
+              </a:ext>
+            </a:extLst>
+          </p:cNvPr>
+          <p:cNvSpPr/>
+          <p:nvPr/>
+        </p:nvSpPr>
+        <p:spPr>
+          <a:xfrm>
+            <a:off x="7766208" y="4769071"/>
+            <a:ext cx="987973" cy="1090449"/>
+          </a:xfrm>
+          <a:prstGeom prst="actionButtonDocument">
+            <a:avLst/>
+          </a:prstGeom>
+          <a:solidFill>
+            <a:schemeClr val="accent2">
+              <a:lumMod val="60000"/>
+              <a:lumOff val="40000"/>
+            </a:schemeClr>
+          </a:solidFill>
+          <a:ln>
+            <a:solidFill>
+              <a:schemeClr val="bg1"/>
+            </a:solidFill>
+          </a:ln>
+        </p:spPr>
+        <p:style>
+          <a:lnRef idx="2">
+            <a:schemeClr val="accent1">
+              <a:shade val="50000"/>
+            </a:schemeClr>
+          </a:lnRef>
+          <a:fillRef idx="1">
+            <a:schemeClr val="accent1"/>
+          </a:fillRef>
+          <a:effectRef idx="0">
+            <a:schemeClr val="accent1"/>
+          </a:effectRef>
+          <a:fontRef idx="minor">
+            <a:schemeClr val="lt1"/>
+          </a:fontRef>
+        </p:style>
+        <p:txBody>
+          <a:bodyPr rtlCol="0" anchor="ctr"/>
+          <a:lstStyle/>
+          <a:p>
+            <a:pPr algn="ctr"/>
+            <a:endParaRPr lang="en-US"/>
+          </a:p>
+        </p:txBody>
+      </p:sp>
+      <p:sp>
+        <p:nvSpPr>
+          <p:cNvPr id="8" name="Action Button: Document 7">
+            <a:hlinkClick r:id="" action="ppaction://noaction" highlightClick="1"/>
+            <a:extLst>
+              <a:ext uri="{FF2B5EF4-FFF2-40B4-BE49-F238E27FC236}">
+                <a16:creationId xmlns:a16="http://schemas.microsoft.com/office/drawing/2014/main" id="{2C3D39BA-FD92-8145-AC8F-0CD30F3815C3}"/>
+              </a:ext>
+            </a:extLst>
+          </p:cNvPr>
+          <p:cNvSpPr/>
+          <p:nvPr/>
+        </p:nvSpPr>
+        <p:spPr>
+          <a:xfrm>
+            <a:off x="10112643" y="4769071"/>
+            <a:ext cx="987973" cy="1090449"/>
+          </a:xfrm>
+          <a:prstGeom prst="actionButtonDocument">
+            <a:avLst/>
+          </a:prstGeom>
+          <a:solidFill>
+            <a:schemeClr val="accent2">
+              <a:lumMod val="60000"/>
+              <a:lumOff val="40000"/>
+            </a:schemeClr>
+          </a:solidFill>
+          <a:ln>
+            <a:solidFill>
+              <a:schemeClr val="bg1"/>
+            </a:solidFill>
+          </a:ln>
+        </p:spPr>
+        <p:style>
+          <a:lnRef idx="2">
+            <a:schemeClr val="accent1">
+              <a:shade val="50000"/>
+            </a:schemeClr>
+          </a:lnRef>
+          <a:fillRef idx="1">
+            <a:schemeClr val="accent1"/>
+          </a:fillRef>
+          <a:effectRef idx="0">
+            <a:schemeClr val="accent1"/>
+          </a:effectRef>
+          <a:fontRef idx="minor">
+            <a:schemeClr val="lt1"/>
+          </a:fontRef>
+        </p:style>
+        <p:txBody>
+          <a:bodyPr rtlCol="0" anchor="ctr"/>
+          <a:lstStyle/>
+          <a:p>
+            <a:pPr algn="ctr"/>
+            <a:endParaRPr lang="en-US"/>
+          </a:p>
+        </p:txBody>
+      </p:sp>
+      <p:sp>
+        <p:nvSpPr>
+          <p:cNvPr id="13" name="TextBox 12">
+            <a:extLst>
+              <a:ext uri="{FF2B5EF4-FFF2-40B4-BE49-F238E27FC236}">
+                <a16:creationId xmlns:a16="http://schemas.microsoft.com/office/drawing/2014/main" id="{817F6934-60C4-1948-B134-3C57037A38E5}"/>
+              </a:ext>
+            </a:extLst>
+          </p:cNvPr>
+          <p:cNvSpPr txBox="1"/>
+          <p:nvPr/>
+        </p:nvSpPr>
+        <p:spPr>
+          <a:xfrm>
+            <a:off x="2907912" y="5911336"/>
+            <a:ext cx="1318823" cy="369332"/>
+          </a:xfrm>
+          <a:prstGeom prst="rect">
+            <a:avLst/>
+          </a:prstGeom>
+          <a:noFill/>
+        </p:spPr>
+        <p:txBody>
+          <a:bodyPr wrap="none" rtlCol="0">
+            <a:spAutoFit/>
+          </a:bodyPr>
+          <a:lstStyle/>
+          <a:p>
+            <a:r>
+              <a:rPr lang="en-US" dirty="0"/>
+              <a:t>02-tidy.Rmd</a:t>
+            </a:r>
+          </a:p>
+        </p:txBody>
+      </p:sp>
+      <p:sp>
+        <p:nvSpPr>
+          <p:cNvPr id="14" name="TextBox 13">
+            <a:extLst>
+              <a:ext uri="{FF2B5EF4-FFF2-40B4-BE49-F238E27FC236}">
+                <a16:creationId xmlns:a16="http://schemas.microsoft.com/office/drawing/2014/main" id="{25077233-DC85-694C-8BD7-4E85BFC0DD66}"/>
+              </a:ext>
+            </a:extLst>
+          </p:cNvPr>
+          <p:cNvSpPr txBox="1"/>
+          <p:nvPr/>
+        </p:nvSpPr>
+        <p:spPr>
+          <a:xfrm>
+            <a:off x="412815" y="5911336"/>
+            <a:ext cx="1616148" cy="369332"/>
+          </a:xfrm>
+          <a:prstGeom prst="rect">
+            <a:avLst/>
+          </a:prstGeom>
+          <a:noFill/>
+        </p:spPr>
+        <p:txBody>
+          <a:bodyPr wrap="none" rtlCol="0">
+            <a:spAutoFit/>
+          </a:bodyPr>
+          <a:lstStyle/>
+          <a:p>
+            <a:r>
+              <a:rPr lang="en-US" dirty="0"/>
+              <a:t>01-import.Rmd</a:t>
+            </a:r>
+          </a:p>
+        </p:txBody>
+      </p:sp>
+      <p:sp>
+        <p:nvSpPr>
+          <p:cNvPr id="15" name="TextBox 14">
+            <a:extLst>
+              <a:ext uri="{FF2B5EF4-FFF2-40B4-BE49-F238E27FC236}">
+                <a16:creationId xmlns:a16="http://schemas.microsoft.com/office/drawing/2014/main" id="{A2E9674F-3B03-DE46-97CA-9B7427C7A466}"/>
+              </a:ext>
+            </a:extLst>
+          </p:cNvPr>
+          <p:cNvSpPr txBox="1"/>
+          <p:nvPr/>
+        </p:nvSpPr>
+        <p:spPr>
+          <a:xfrm>
+            <a:off x="5046277" y="5911336"/>
+            <a:ext cx="1664238" cy="369332"/>
+          </a:xfrm>
+          <a:prstGeom prst="rect">
+            <a:avLst/>
+          </a:prstGeom>
+          <a:noFill/>
+        </p:spPr>
+        <p:txBody>
+          <a:bodyPr wrap="none" rtlCol="0">
+            <a:spAutoFit/>
+          </a:bodyPr>
+          <a:lstStyle/>
+          <a:p>
+            <a:r>
+              <a:rPr lang="en-US" dirty="0"/>
+              <a:t>03-models.Rmd</a:t>
+            </a:r>
+          </a:p>
+        </p:txBody>
+      </p:sp>
+      <p:sp>
+        <p:nvSpPr>
+          <p:cNvPr id="18" name="TextBox 17">
+            <a:extLst>
+              <a:ext uri="{FF2B5EF4-FFF2-40B4-BE49-F238E27FC236}">
+                <a16:creationId xmlns:a16="http://schemas.microsoft.com/office/drawing/2014/main" id="{15BA7C0C-5DE3-324D-987E-CCBD86F2171A}"/>
+              </a:ext>
+            </a:extLst>
+          </p:cNvPr>
+          <p:cNvSpPr txBox="1"/>
+          <p:nvPr/>
+        </p:nvSpPr>
+        <p:spPr>
+          <a:xfrm>
+            <a:off x="7378799" y="5911336"/>
+            <a:ext cx="1762790" cy="369332"/>
+          </a:xfrm>
+          <a:prstGeom prst="rect">
+            <a:avLst/>
+          </a:prstGeom>
+          <a:noFill/>
+        </p:spPr>
+        <p:txBody>
+          <a:bodyPr wrap="none" rtlCol="0">
+            <a:spAutoFit/>
+          </a:bodyPr>
+          <a:lstStyle/>
+          <a:p>
+            <a:r>
+              <a:rPr lang="en-US" dirty="0"/>
+              <a:t>04-visualize.Rmd</a:t>
+            </a:r>
+          </a:p>
+        </p:txBody>
+      </p:sp>
+      <p:sp>
+        <p:nvSpPr>
+          <p:cNvPr id="19" name="TextBox 18">
+            <a:extLst>
+              <a:ext uri="{FF2B5EF4-FFF2-40B4-BE49-F238E27FC236}">
+                <a16:creationId xmlns:a16="http://schemas.microsoft.com/office/drawing/2014/main" id="{0D3529FA-493C-D340-917E-D2BE38F4E151}"/>
+              </a:ext>
+            </a:extLst>
+          </p:cNvPr>
+          <p:cNvSpPr txBox="1"/>
+          <p:nvPr/>
+        </p:nvSpPr>
+        <p:spPr>
+          <a:xfrm>
+            <a:off x="9478980" y="5942868"/>
+            <a:ext cx="2255297" cy="369332"/>
+          </a:xfrm>
+          <a:prstGeom prst="rect">
+            <a:avLst/>
+          </a:prstGeom>
+          <a:noFill/>
+        </p:spPr>
+        <p:txBody>
+          <a:bodyPr wrap="none" rtlCol="0">
+            <a:spAutoFit/>
+          </a:bodyPr>
+          <a:lstStyle/>
+          <a:p>
+            <a:r>
+              <a:rPr lang="en-US" dirty="0"/>
+              <a:t>05-communicate.Rmd</a:t>
+            </a:r>
+          </a:p>
+        </p:txBody>
+      </p:sp>
+      <p:sp>
+        <p:nvSpPr>
+          <p:cNvPr id="20" name="Right Arrow 19">
+            <a:extLst>
+              <a:ext uri="{FF2B5EF4-FFF2-40B4-BE49-F238E27FC236}">
+                <a16:creationId xmlns:a16="http://schemas.microsoft.com/office/drawing/2014/main" id="{519AB274-0280-634F-90B3-89BCB6CD12EA}"/>
+              </a:ext>
+            </a:extLst>
+          </p:cNvPr>
+          <p:cNvSpPr/>
+          <p:nvPr/>
+        </p:nvSpPr>
+        <p:spPr>
+          <a:xfrm>
+            <a:off x="4422636" y="5116066"/>
+            <a:ext cx="644694" cy="420414"/>
+          </a:xfrm>
+          <a:prstGeom prst="rightArrow">
+            <a:avLst/>
+          </a:prstGeom>
+          <a:solidFill>
+            <a:schemeClr val="bg2">
+              <a:lumMod val="75000"/>
+            </a:schemeClr>
+          </a:solidFill>
+          <a:ln>
+            <a:noFill/>
+          </a:ln>
+        </p:spPr>
+        <p:style>
+          <a:lnRef idx="2">
+            <a:schemeClr val="accent1">
+              <a:shade val="50000"/>
+            </a:schemeClr>
+          </a:lnRef>
+          <a:fillRef idx="1">
+            <a:schemeClr val="accent1"/>
+          </a:fillRef>
+          <a:effectRef idx="0">
+            <a:schemeClr val="accent1"/>
+          </a:effectRef>
+          <a:fontRef idx="minor">
+            <a:schemeClr val="lt1"/>
+          </a:fontRef>
+        </p:style>
+        <p:txBody>
+          <a:bodyPr rtlCol="0" anchor="ctr"/>
+          <a:lstStyle/>
+          <a:p>
+            <a:pPr algn="ctr"/>
+            <a:endParaRPr lang="en-US"/>
+          </a:p>
+        </p:txBody>
+      </p:sp>
+      <p:sp>
+        <p:nvSpPr>
+          <p:cNvPr id="21" name="Right Arrow 20">
+            <a:extLst>
+              <a:ext uri="{FF2B5EF4-FFF2-40B4-BE49-F238E27FC236}">
+                <a16:creationId xmlns:a16="http://schemas.microsoft.com/office/drawing/2014/main" id="{A4F0C651-E7B4-0D48-83A4-11637097C025}"/>
+              </a:ext>
+            </a:extLst>
+          </p:cNvPr>
+          <p:cNvSpPr/>
+          <p:nvPr/>
+        </p:nvSpPr>
+        <p:spPr>
+          <a:xfrm>
+            <a:off x="6764630" y="5104087"/>
+            <a:ext cx="644694" cy="420414"/>
+          </a:xfrm>
+          <a:prstGeom prst="rightArrow">
+            <a:avLst/>
+          </a:prstGeom>
+          <a:solidFill>
+            <a:schemeClr val="bg2">
+              <a:lumMod val="75000"/>
+            </a:schemeClr>
+          </a:solidFill>
+          <a:ln>
+            <a:noFill/>
+          </a:ln>
+        </p:spPr>
+        <p:style>
+          <a:lnRef idx="2">
+            <a:schemeClr val="accent1">
+              <a:shade val="50000"/>
+            </a:schemeClr>
+          </a:lnRef>
+          <a:fillRef idx="1">
+            <a:schemeClr val="accent1"/>
+          </a:fillRef>
+          <a:effectRef idx="0">
+            <a:schemeClr val="accent1"/>
+          </a:effectRef>
+          <a:fontRef idx="minor">
+            <a:schemeClr val="lt1"/>
+          </a:fontRef>
+        </p:style>
+        <p:txBody>
+          <a:bodyPr rtlCol="0" anchor="ctr"/>
+          <a:lstStyle/>
+          <a:p>
+            <a:pPr algn="ctr"/>
+            <a:endParaRPr lang="en-US"/>
+          </a:p>
+        </p:txBody>
+      </p:sp>
+      <p:sp>
+        <p:nvSpPr>
+          <p:cNvPr id="22" name="Right Arrow 21">
+            <a:extLst>
+              <a:ext uri="{FF2B5EF4-FFF2-40B4-BE49-F238E27FC236}">
+                <a16:creationId xmlns:a16="http://schemas.microsoft.com/office/drawing/2014/main" id="{723194B3-7105-934A-92C9-C5B8AAECF8DD}"/>
+              </a:ext>
+            </a:extLst>
+          </p:cNvPr>
+          <p:cNvSpPr/>
+          <p:nvPr/>
+        </p:nvSpPr>
+        <p:spPr>
+          <a:xfrm>
+            <a:off x="9156633" y="5104087"/>
+            <a:ext cx="644694" cy="420414"/>
+          </a:xfrm>
+          <a:prstGeom prst="rightArrow">
+            <a:avLst/>
+          </a:prstGeom>
+          <a:solidFill>
+            <a:schemeClr val="bg2">
+              <a:lumMod val="75000"/>
+            </a:schemeClr>
+          </a:solidFill>
+          <a:ln>
+            <a:noFill/>
+          </a:ln>
+        </p:spPr>
+        <p:style>
+          <a:lnRef idx="2">
+            <a:schemeClr val="accent1">
+              <a:shade val="50000"/>
+            </a:schemeClr>
+          </a:lnRef>
+          <a:fillRef idx="1">
+            <a:schemeClr val="accent1"/>
+          </a:fillRef>
+          <a:effectRef idx="0">
+            <a:schemeClr val="accent1"/>
+          </a:effectRef>
+          <a:fontRef idx="minor">
+            <a:schemeClr val="lt1"/>
+          </a:fontRef>
+        </p:style>
+        <p:txBody>
+          <a:bodyPr rtlCol="0" anchor="ctr"/>
+          <a:lstStyle/>
+          <a:p>
+            <a:pPr algn="ctr"/>
+            <a:endParaRPr lang="en-US"/>
+          </a:p>
+        </p:txBody>
+      </p:sp>
+      <p:sp>
+        <p:nvSpPr>
+          <p:cNvPr id="23" name="Right Arrow 22">
+            <a:extLst>
+              <a:ext uri="{FF2B5EF4-FFF2-40B4-BE49-F238E27FC236}">
+                <a16:creationId xmlns:a16="http://schemas.microsoft.com/office/drawing/2014/main" id="{A1773BE5-6031-A44B-B46F-DCA2CE78B843}"/>
+              </a:ext>
+            </a:extLst>
+          </p:cNvPr>
+          <p:cNvSpPr/>
+          <p:nvPr/>
+        </p:nvSpPr>
+        <p:spPr>
+          <a:xfrm>
+            <a:off x="2111890" y="5116066"/>
+            <a:ext cx="644694" cy="420414"/>
+          </a:xfrm>
+          <a:prstGeom prst="rightArrow">
+            <a:avLst/>
+          </a:prstGeom>
+          <a:solidFill>
+            <a:schemeClr val="bg2">
+              <a:lumMod val="75000"/>
+            </a:schemeClr>
+          </a:solidFill>
+          <a:ln>
+            <a:noFill/>
+          </a:ln>
+        </p:spPr>
+        <p:style>
+          <a:lnRef idx="2">
+            <a:schemeClr val="accent1">
+              <a:shade val="50000"/>
+            </a:schemeClr>
+          </a:lnRef>
+          <a:fillRef idx="1">
+            <a:schemeClr val="accent1"/>
+          </a:fillRef>
+          <a:effectRef idx="0">
+            <a:schemeClr val="accent1"/>
+          </a:effectRef>
+          <a:fontRef idx="minor">
+            <a:schemeClr val="lt1"/>
+          </a:fontRef>
+        </p:style>
+        <p:txBody>
+          <a:bodyPr rtlCol="0" anchor="ctr"/>
+          <a:lstStyle/>
+          <a:p>
+            <a:pPr algn="ctr"/>
+            <a:endParaRPr lang="en-US"/>
+          </a:p>
+        </p:txBody>
+      </p:sp>
+      <p:sp>
+        <p:nvSpPr>
+          <p:cNvPr id="43" name="TextBox 42">
+            <a:extLst>
+              <a:ext uri="{FF2B5EF4-FFF2-40B4-BE49-F238E27FC236}">
+                <a16:creationId xmlns:a16="http://schemas.microsoft.com/office/drawing/2014/main" id="{E2907B97-09AC-604D-94F5-0E516A7BF0D2}"/>
+              </a:ext>
+            </a:extLst>
+          </p:cNvPr>
+          <p:cNvSpPr txBox="1"/>
+          <p:nvPr/>
+        </p:nvSpPr>
+        <p:spPr>
+          <a:xfrm>
+            <a:off x="6602941" y="512113"/>
+            <a:ext cx="1779333" cy="646331"/>
+          </a:xfrm>
+          <a:prstGeom prst="rect">
+            <a:avLst/>
+          </a:prstGeom>
+          <a:noFill/>
+        </p:spPr>
+        <p:txBody>
+          <a:bodyPr wrap="none" rtlCol="0">
+            <a:spAutoFit/>
+          </a:bodyPr>
+          <a:lstStyle/>
+          <a:p>
+            <a:r>
+              <a:rPr lang="en-US" dirty="0"/>
+              <a:t>Will the output</a:t>
+            </a:r>
+          </a:p>
+          <a:p>
+            <a:r>
+              <a:rPr lang="en-US" dirty="0"/>
+              <a:t>be reproducible?</a:t>
+            </a:r>
+          </a:p>
+        </p:txBody>
+      </p:sp>
+      <p:sp>
+        <p:nvSpPr>
+          <p:cNvPr id="44" name="TextBox 43">
+            <a:extLst>
+              <a:ext uri="{FF2B5EF4-FFF2-40B4-BE49-F238E27FC236}">
+                <a16:creationId xmlns:a16="http://schemas.microsoft.com/office/drawing/2014/main" id="{6C237DC9-F5CA-2B47-A031-7B36EBEFBA8D}"/>
+              </a:ext>
+            </a:extLst>
+          </p:cNvPr>
+          <p:cNvSpPr txBox="1"/>
+          <p:nvPr/>
+        </p:nvSpPr>
+        <p:spPr>
+          <a:xfrm>
+            <a:off x="5439859" y="3677498"/>
+            <a:ext cx="1357231" cy="646331"/>
+          </a:xfrm>
+          <a:prstGeom prst="rect">
+            <a:avLst/>
+          </a:prstGeom>
+          <a:noFill/>
+        </p:spPr>
+        <p:txBody>
+          <a:bodyPr wrap="none" rtlCol="0">
+            <a:spAutoFit/>
+          </a:bodyPr>
+          <a:lstStyle/>
+          <a:p>
+            <a:r>
+              <a:rPr lang="en-US" dirty="0">
+                <a:solidFill>
+                  <a:srgbClr val="C00000"/>
+                </a:solidFill>
+              </a:rPr>
+              <a:t>Rerun which</a:t>
+            </a:r>
+          </a:p>
+          <a:p>
+            <a:r>
+              <a:rPr lang="en-US" dirty="0">
+                <a:solidFill>
+                  <a:srgbClr val="C00000"/>
+                </a:solidFill>
+              </a:rPr>
+              <a:t>models?</a:t>
+            </a:r>
+          </a:p>
+        </p:txBody>
+      </p:sp>
+      <p:sp>
+        <p:nvSpPr>
+          <p:cNvPr id="45" name="TextBox 44">
+            <a:extLst>
+              <a:ext uri="{FF2B5EF4-FFF2-40B4-BE49-F238E27FC236}">
+                <a16:creationId xmlns:a16="http://schemas.microsoft.com/office/drawing/2014/main" id="{5D5EEC56-73F3-AF4E-A312-C47FF9906CA7}"/>
+              </a:ext>
+            </a:extLst>
+          </p:cNvPr>
+          <p:cNvSpPr txBox="1"/>
+          <p:nvPr/>
+        </p:nvSpPr>
+        <p:spPr>
+          <a:xfrm>
+            <a:off x="7613767" y="3631332"/>
+            <a:ext cx="1292854" cy="646331"/>
+          </a:xfrm>
+          <a:prstGeom prst="rect">
+            <a:avLst/>
+          </a:prstGeom>
+          <a:noFill/>
+        </p:spPr>
+        <p:txBody>
+          <a:bodyPr wrap="none" rtlCol="0">
+            <a:spAutoFit/>
+          </a:bodyPr>
+          <a:lstStyle/>
+          <a:p>
+            <a:r>
+              <a:rPr lang="en-US" dirty="0"/>
+              <a:t>Rerun</a:t>
+            </a:r>
+          </a:p>
+          <a:p>
+            <a:r>
+              <a:rPr lang="en-US" dirty="0"/>
+              <a:t>everything?</a:t>
+            </a:r>
+          </a:p>
+        </p:txBody>
+      </p:sp>
+      <p:pic>
+        <p:nvPicPr>
+          <p:cNvPr id="52" name="Picture 51">
+            <a:extLst>
+              <a:ext uri="{FF2B5EF4-FFF2-40B4-BE49-F238E27FC236}">
+                <a16:creationId xmlns:a16="http://schemas.microsoft.com/office/drawing/2014/main" id="{168059C2-B70F-0745-AC45-A3BC15DD9EC9}"/>
+              </a:ext>
+            </a:extLst>
+          </p:cNvPr>
+          <p:cNvPicPr>
+            <a:picLocks noChangeAspect="1"/>
+          </p:cNvPicPr>
+          <p:nvPr/>
+        </p:nvPicPr>
+        <p:blipFill>
+          <a:blip r:embed="rId2"/>
+          <a:stretch>
+            <a:fillRect/>
+          </a:stretch>
+        </p:blipFill>
+        <p:spPr>
+          <a:xfrm>
+            <a:off x="1198649" y="166589"/>
+            <a:ext cx="2030280" cy="2099494"/>
+          </a:xfrm>
+          <a:prstGeom prst="rect">
+            <a:avLst/>
+          </a:prstGeom>
+        </p:spPr>
+      </p:pic>
+      <p:sp>
+        <p:nvSpPr>
+          <p:cNvPr id="53" name="TextBox 52">
+            <a:extLst>
+              <a:ext uri="{FF2B5EF4-FFF2-40B4-BE49-F238E27FC236}">
+                <a16:creationId xmlns:a16="http://schemas.microsoft.com/office/drawing/2014/main" id="{FD593E01-1373-724C-BEAA-C78A976FC3B4}"/>
+              </a:ext>
+            </a:extLst>
+          </p:cNvPr>
+          <p:cNvSpPr txBox="1"/>
+          <p:nvPr/>
+        </p:nvSpPr>
+        <p:spPr>
+          <a:xfrm>
+            <a:off x="1296621" y="650612"/>
+            <a:ext cx="1780937" cy="369332"/>
+          </a:xfrm>
+          <a:prstGeom prst="rect">
+            <a:avLst/>
+          </a:prstGeom>
+          <a:noFill/>
+        </p:spPr>
+        <p:txBody>
+          <a:bodyPr wrap="none" rtlCol="0">
+            <a:spAutoFit/>
+          </a:bodyPr>
+          <a:lstStyle/>
+          <a:p>
+            <a:r>
+              <a:rPr lang="en-US" dirty="0"/>
+              <a:t>What do I rerun?</a:t>
+            </a:r>
+          </a:p>
+        </p:txBody>
+      </p:sp>
+      <p:pic>
+        <p:nvPicPr>
+          <p:cNvPr id="55" name="Picture 54">
+            <a:extLst>
+              <a:ext uri="{FF2B5EF4-FFF2-40B4-BE49-F238E27FC236}">
+                <a16:creationId xmlns:a16="http://schemas.microsoft.com/office/drawing/2014/main" id="{73FCA6EA-40F4-5744-A213-AE2774C5731C}"/>
+              </a:ext>
+            </a:extLst>
+          </p:cNvPr>
+          <p:cNvPicPr>
+            <a:picLocks noChangeAspect="1"/>
+          </p:cNvPicPr>
+          <p:nvPr/>
+        </p:nvPicPr>
+        <p:blipFill>
+          <a:blip r:embed="rId3"/>
+          <a:stretch>
+            <a:fillRect/>
+          </a:stretch>
+        </p:blipFill>
+        <p:spPr>
+          <a:xfrm>
+            <a:off x="3905717" y="166589"/>
+            <a:ext cx="1886134" cy="2581729"/>
+          </a:xfrm>
+          <a:prstGeom prst="rect">
+            <a:avLst/>
+          </a:prstGeom>
+        </p:spPr>
+      </p:pic>
+      <p:pic>
+        <p:nvPicPr>
+          <p:cNvPr id="57" name="Picture 56">
+            <a:extLst>
+              <a:ext uri="{FF2B5EF4-FFF2-40B4-BE49-F238E27FC236}">
+                <a16:creationId xmlns:a16="http://schemas.microsoft.com/office/drawing/2014/main" id="{1BE6120B-D2F8-B444-BF3A-253BAD1DEDA6}"/>
+              </a:ext>
+            </a:extLst>
+          </p:cNvPr>
+          <p:cNvPicPr>
+            <a:picLocks noChangeAspect="1"/>
+          </p:cNvPicPr>
+          <p:nvPr/>
+        </p:nvPicPr>
+        <p:blipFill>
+          <a:blip r:embed="rId2"/>
+          <a:stretch>
+            <a:fillRect/>
+          </a:stretch>
+        </p:blipFill>
+        <p:spPr>
+          <a:xfrm flipH="1" flipV="1">
+            <a:off x="9801327" y="2832527"/>
+            <a:ext cx="1664238" cy="1720973"/>
+          </a:xfrm>
+          <a:prstGeom prst="rect">
+            <a:avLst/>
+          </a:prstGeom>
+        </p:spPr>
+      </p:pic>
+      <p:sp>
+        <p:nvSpPr>
+          <p:cNvPr id="58" name="TextBox 57">
+            <a:extLst>
+              <a:ext uri="{FF2B5EF4-FFF2-40B4-BE49-F238E27FC236}">
+                <a16:creationId xmlns:a16="http://schemas.microsoft.com/office/drawing/2014/main" id="{6C6984C9-719D-124F-86BC-4526D87D7E4C}"/>
+              </a:ext>
+            </a:extLst>
+          </p:cNvPr>
+          <p:cNvSpPr txBox="1"/>
+          <p:nvPr/>
+        </p:nvSpPr>
+        <p:spPr>
+          <a:xfrm>
+            <a:off x="10068860" y="3597144"/>
+            <a:ext cx="1292854" cy="646331"/>
+          </a:xfrm>
+          <a:prstGeom prst="rect">
+            <a:avLst/>
+          </a:prstGeom>
+          <a:noFill/>
+        </p:spPr>
+        <p:txBody>
+          <a:bodyPr wrap="none" rtlCol="0">
+            <a:spAutoFit/>
+          </a:bodyPr>
+          <a:lstStyle/>
+          <a:p>
+            <a:r>
+              <a:rPr lang="en-US" dirty="0"/>
+              <a:t>Rerun</a:t>
+            </a:r>
+          </a:p>
+          <a:p>
+            <a:r>
+              <a:rPr lang="en-US" dirty="0"/>
+              <a:t>everything?</a:t>
+            </a:r>
+          </a:p>
+        </p:txBody>
+      </p:sp>
+      <p:sp>
+        <p:nvSpPr>
+          <p:cNvPr id="61" name="TextBox 60">
+            <a:extLst>
+              <a:ext uri="{FF2B5EF4-FFF2-40B4-BE49-F238E27FC236}">
+                <a16:creationId xmlns:a16="http://schemas.microsoft.com/office/drawing/2014/main" id="{8A4B365F-A4AD-1E4C-AD49-BEDB6044FDBE}"/>
+              </a:ext>
+            </a:extLst>
+          </p:cNvPr>
+          <p:cNvSpPr txBox="1"/>
+          <p:nvPr/>
+        </p:nvSpPr>
+        <p:spPr>
+          <a:xfrm>
+            <a:off x="766404" y="3660585"/>
+            <a:ext cx="1188467" cy="646331"/>
+          </a:xfrm>
+          <a:prstGeom prst="rect">
+            <a:avLst/>
+          </a:prstGeom>
+          <a:noFill/>
+        </p:spPr>
+        <p:txBody>
+          <a:bodyPr wrap="none" rtlCol="0">
+            <a:spAutoFit/>
+          </a:bodyPr>
+          <a:lstStyle/>
+          <a:p>
+            <a:r>
+              <a:rPr lang="en-US" dirty="0"/>
+              <a:t>Skip to</a:t>
+            </a:r>
+          </a:p>
+          <a:p>
+            <a:r>
+              <a:rPr lang="en-US" dirty="0"/>
+              <a:t>save time?</a:t>
+            </a:r>
+          </a:p>
+        </p:txBody>
+      </p:sp>
+      <p:sp>
+        <p:nvSpPr>
+          <p:cNvPr id="62" name="TextBox 61">
+            <a:extLst>
+              <a:ext uri="{FF2B5EF4-FFF2-40B4-BE49-F238E27FC236}">
+                <a16:creationId xmlns:a16="http://schemas.microsoft.com/office/drawing/2014/main" id="{A4FCC648-00DC-DA42-BB16-BBC9F5C5FDA6}"/>
+              </a:ext>
+            </a:extLst>
+          </p:cNvPr>
+          <p:cNvSpPr txBox="1"/>
+          <p:nvPr/>
+        </p:nvSpPr>
+        <p:spPr>
+          <a:xfrm>
+            <a:off x="3107557" y="3660585"/>
+            <a:ext cx="1188467" cy="646331"/>
+          </a:xfrm>
+          <a:prstGeom prst="rect">
+            <a:avLst/>
+          </a:prstGeom>
+          <a:noFill/>
+        </p:spPr>
+        <p:txBody>
+          <a:bodyPr wrap="none" rtlCol="0">
+            <a:spAutoFit/>
+          </a:bodyPr>
+          <a:lstStyle/>
+          <a:p>
+            <a:r>
+              <a:rPr lang="en-US" dirty="0"/>
+              <a:t>Skip to</a:t>
+            </a:r>
+          </a:p>
+          <a:p>
+            <a:r>
+              <a:rPr lang="en-US" dirty="0"/>
+              <a:t>save time?</a:t>
+            </a:r>
+          </a:p>
+        </p:txBody>
+      </p:sp>
+      <p:sp>
+        <p:nvSpPr>
+          <p:cNvPr id="63" name="Action Button: Document 62">
+            <a:hlinkClick r:id="" action="ppaction://noaction" highlightClick="1"/>
+            <a:extLst>
+              <a:ext uri="{FF2B5EF4-FFF2-40B4-BE49-F238E27FC236}">
+                <a16:creationId xmlns:a16="http://schemas.microsoft.com/office/drawing/2014/main" id="{AD49C542-D153-024F-AEB1-F7B58C99CD2E}"/>
+              </a:ext>
+            </a:extLst>
+          </p:cNvPr>
+          <p:cNvSpPr/>
+          <p:nvPr/>
+        </p:nvSpPr>
+        <p:spPr>
+          <a:xfrm>
+            <a:off x="3064174" y="4688660"/>
+            <a:ext cx="987973" cy="1090449"/>
+          </a:xfrm>
+          <a:prstGeom prst="actionButtonDocument">
+            <a:avLst/>
+          </a:prstGeom>
+          <a:solidFill>
+            <a:schemeClr val="accent2">
+              <a:lumMod val="60000"/>
+              <a:lumOff val="40000"/>
+            </a:schemeClr>
+          </a:solidFill>
+          <a:ln>
+            <a:solidFill>
+              <a:schemeClr val="bg1"/>
+            </a:solidFill>
+          </a:ln>
+        </p:spPr>
+        <p:style>
+          <a:lnRef idx="2">
+            <a:schemeClr val="accent1">
+              <a:shade val="50000"/>
+            </a:schemeClr>
+          </a:lnRef>
+          <a:fillRef idx="1">
+            <a:schemeClr val="accent1"/>
+          </a:fillRef>
+          <a:effectRef idx="0">
+            <a:schemeClr val="accent1"/>
+          </a:effectRef>
+          <a:fontRef idx="minor">
+            <a:schemeClr val="lt1"/>
+          </a:fontRef>
+        </p:style>
+        <p:txBody>
+          <a:bodyPr rtlCol="0" anchor="ctr"/>
+          <a:lstStyle/>
+          <a:p>
+            <a:pPr algn="ctr"/>
+            <a:endParaRPr lang="en-US"/>
+          </a:p>
+        </p:txBody>
+      </p:sp>
+      <p:sp>
+        <p:nvSpPr>
+          <p:cNvPr id="64" name="Action Button: Document 63">
+            <a:hlinkClick r:id="" action="ppaction://noaction" highlightClick="1"/>
+            <a:extLst>
+              <a:ext uri="{FF2B5EF4-FFF2-40B4-BE49-F238E27FC236}">
+                <a16:creationId xmlns:a16="http://schemas.microsoft.com/office/drawing/2014/main" id="{4D555BF3-0372-E242-9F6A-0F07B4700627}"/>
+              </a:ext>
+            </a:extLst>
+          </p:cNvPr>
+          <p:cNvSpPr/>
+          <p:nvPr/>
+        </p:nvSpPr>
+        <p:spPr>
+          <a:xfrm>
+            <a:off x="785784" y="4704287"/>
+            <a:ext cx="987973" cy="1090449"/>
+          </a:xfrm>
+          <a:prstGeom prst="actionButtonDocument">
+            <a:avLst/>
+          </a:prstGeom>
+          <a:solidFill>
+            <a:schemeClr val="accent2">
+              <a:lumMod val="60000"/>
+              <a:lumOff val="40000"/>
+            </a:schemeClr>
+          </a:solidFill>
+          <a:ln>
+            <a:solidFill>
+              <a:schemeClr val="bg1"/>
+            </a:solidFill>
+          </a:ln>
+        </p:spPr>
+        <p:style>
+          <a:lnRef idx="2">
+            <a:schemeClr val="accent1">
+              <a:shade val="50000"/>
+            </a:schemeClr>
+          </a:lnRef>
+          <a:fillRef idx="1">
+            <a:schemeClr val="accent1"/>
+          </a:fillRef>
+          <a:effectRef idx="0">
+            <a:schemeClr val="accent1"/>
+          </a:effectRef>
+          <a:fontRef idx="minor">
+            <a:schemeClr val="lt1"/>
+          </a:fontRef>
+        </p:style>
+        <p:txBody>
+          <a:bodyPr rtlCol="0" anchor="ctr"/>
+          <a:lstStyle/>
+          <a:p>
+            <a:pPr algn="ctr"/>
+            <a:endParaRPr lang="en-US"/>
+          </a:p>
+        </p:txBody>
+      </p:sp>
+      <p:sp>
+        <p:nvSpPr>
+          <p:cNvPr id="65" name="TextBox 64">
+            <a:extLst>
+              <a:ext uri="{FF2B5EF4-FFF2-40B4-BE49-F238E27FC236}">
+                <a16:creationId xmlns:a16="http://schemas.microsoft.com/office/drawing/2014/main" id="{9A53DF5E-981D-DF4B-831D-7261B340A292}"/>
+              </a:ext>
+            </a:extLst>
+          </p:cNvPr>
+          <p:cNvSpPr txBox="1"/>
+          <p:nvPr/>
+        </p:nvSpPr>
+        <p:spPr>
+          <a:xfrm>
+            <a:off x="9698048" y="6488668"/>
+            <a:ext cx="2493952" cy="369332"/>
+          </a:xfrm>
+          <a:prstGeom prst="rect">
+            <a:avLst/>
+          </a:prstGeom>
+          <a:noFill/>
+        </p:spPr>
+        <p:txBody>
+          <a:bodyPr wrap="none" rtlCol="0">
+            <a:spAutoFit/>
+          </a:bodyPr>
+          <a:lstStyle/>
+          <a:p>
+            <a:r>
+              <a:rPr lang="en-US" dirty="0">
+                <a:hlinkClick r:id="rId4"/>
+              </a:rPr>
+              <a:t>https://openclipart.org/</a:t>
+            </a:r>
+            <a:r>
+              <a:rPr lang="en-US" dirty="0"/>
+              <a:t> </a:t>
+            </a:r>
+          </a:p>
+        </p:txBody>
+      </p:sp>
+    </p:spTree>
+    <p:extLst>
+      <p:ext uri="{BB962C8B-B14F-4D97-AF65-F5344CB8AC3E}">
+        <p14:creationId xmlns:p14="http://schemas.microsoft.com/office/powerpoint/2010/main" val="2599836842"/>
+      </p:ext>
+    </p:extLst>
+  </p:cSld>
+  <p:clrMapOvr>
+    <a:masterClrMapping/>
+  </p:clrMapOvr>
+</p:sld>
+</file>
+
 <file path=ppt/theme/theme1.xml><?xml version="1.0" encoding="utf-8"?>
 <a:theme xmlns:a="http://schemas.openxmlformats.org/drawingml/2006/main" name="Office Theme">
   <a:themeElements>

--- a/images/figures.pptx
+++ b/images/figures.pptx
@@ -5,9 +5,8 @@
     <p:sldMasterId id="2147483648" r:id="rId1"/>
   </p:sldMasterIdLst>
   <p:sldIdLst>
-    <p:sldId id="256" r:id="rId2"/>
-    <p:sldId id="257" r:id="rId3"/>
-    <p:sldId id="258" r:id="rId4"/>
+    <p:sldId id="257" r:id="rId2"/>
+    <p:sldId id="258" r:id="rId3"/>
   </p:sldIdLst>
   <p:sldSz cx="12192000" cy="6858000"/>
   <p:notesSz cx="6858000" cy="9144000"/>
@@ -261,7 +260,7 @@
           <a:p>
             <a:fld id="{F7629C0C-AFAF-9845-8371-7CE497ABAF14}" type="datetimeFigureOut">
               <a:rPr lang="en-US" smtClean="0"/>
-              <a:t>4/27/21</a:t>
+              <a:t>4/30/21</a:t>
             </a:fld>
             <a:endParaRPr lang="en-US"/>
           </a:p>
@@ -459,7 +458,7 @@
           <a:p>
             <a:fld id="{F7629C0C-AFAF-9845-8371-7CE497ABAF14}" type="datetimeFigureOut">
               <a:rPr lang="en-US" smtClean="0"/>
-              <a:t>4/27/21</a:t>
+              <a:t>4/30/21</a:t>
             </a:fld>
             <a:endParaRPr lang="en-US"/>
           </a:p>
@@ -667,7 +666,7 @@
           <a:p>
             <a:fld id="{F7629C0C-AFAF-9845-8371-7CE497ABAF14}" type="datetimeFigureOut">
               <a:rPr lang="en-US" smtClean="0"/>
-              <a:t>4/27/21</a:t>
+              <a:t>4/30/21</a:t>
             </a:fld>
             <a:endParaRPr lang="en-US"/>
           </a:p>
@@ -865,7 +864,7 @@
           <a:p>
             <a:fld id="{F7629C0C-AFAF-9845-8371-7CE497ABAF14}" type="datetimeFigureOut">
               <a:rPr lang="en-US" smtClean="0"/>
-              <a:t>4/27/21</a:t>
+              <a:t>4/30/21</a:t>
             </a:fld>
             <a:endParaRPr lang="en-US"/>
           </a:p>
@@ -1140,7 +1139,7 @@
           <a:p>
             <a:fld id="{F7629C0C-AFAF-9845-8371-7CE497ABAF14}" type="datetimeFigureOut">
               <a:rPr lang="en-US" smtClean="0"/>
-              <a:t>4/27/21</a:t>
+              <a:t>4/30/21</a:t>
             </a:fld>
             <a:endParaRPr lang="en-US"/>
           </a:p>
@@ -1405,7 +1404,7 @@
           <a:p>
             <a:fld id="{F7629C0C-AFAF-9845-8371-7CE497ABAF14}" type="datetimeFigureOut">
               <a:rPr lang="en-US" smtClean="0"/>
-              <a:t>4/27/21</a:t>
+              <a:t>4/30/21</a:t>
             </a:fld>
             <a:endParaRPr lang="en-US"/>
           </a:p>
@@ -1817,7 +1816,7 @@
           <a:p>
             <a:fld id="{F7629C0C-AFAF-9845-8371-7CE497ABAF14}" type="datetimeFigureOut">
               <a:rPr lang="en-US" smtClean="0"/>
-              <a:t>4/27/21</a:t>
+              <a:t>4/30/21</a:t>
             </a:fld>
             <a:endParaRPr lang="en-US"/>
           </a:p>
@@ -1958,7 +1957,7 @@
           <a:p>
             <a:fld id="{F7629C0C-AFAF-9845-8371-7CE497ABAF14}" type="datetimeFigureOut">
               <a:rPr lang="en-US" smtClean="0"/>
-              <a:t>4/27/21</a:t>
+              <a:t>4/30/21</a:t>
             </a:fld>
             <a:endParaRPr lang="en-US"/>
           </a:p>
@@ -2071,7 +2070,7 @@
           <a:p>
             <a:fld id="{F7629C0C-AFAF-9845-8371-7CE497ABAF14}" type="datetimeFigureOut">
               <a:rPr lang="en-US" smtClean="0"/>
-              <a:t>4/27/21</a:t>
+              <a:t>4/30/21</a:t>
             </a:fld>
             <a:endParaRPr lang="en-US"/>
           </a:p>
@@ -2382,7 +2381,7 @@
           <a:p>
             <a:fld id="{F7629C0C-AFAF-9845-8371-7CE497ABAF14}" type="datetimeFigureOut">
               <a:rPr lang="en-US" smtClean="0"/>
-              <a:t>4/27/21</a:t>
+              <a:t>4/30/21</a:t>
             </a:fld>
             <a:endParaRPr lang="en-US"/>
           </a:p>
@@ -2670,7 +2669,7 @@
           <a:p>
             <a:fld id="{F7629C0C-AFAF-9845-8371-7CE497ABAF14}" type="datetimeFigureOut">
               <a:rPr lang="en-US" smtClean="0"/>
-              <a:t>4/27/21</a:t>
+              <a:t>4/30/21</a:t>
             </a:fld>
             <a:endParaRPr lang="en-US"/>
           </a:p>
@@ -2911,7 +2910,7 @@
           <a:p>
             <a:fld id="{F7629C0C-AFAF-9845-8371-7CE497ABAF14}" type="datetimeFigureOut">
               <a:rPr lang="en-US" smtClean="0"/>
-              <a:t>4/27/21</a:t>
+              <a:t>4/30/21</a:t>
             </a:fld>
             <a:endParaRPr lang="en-US"/>
           </a:p>
@@ -3330,406 +3329,6 @@
       </p:grpSpPr>
       <p:pic>
         <p:nvPicPr>
-          <p:cNvPr id="5" name="Picture 4" descr="Icon&#10;&#10;Description automatically generated">
-            <a:extLst>
-              <a:ext uri="{FF2B5EF4-FFF2-40B4-BE49-F238E27FC236}">
-                <a16:creationId xmlns:a16="http://schemas.microsoft.com/office/drawing/2014/main" id="{703D3B74-3D2C-7949-981C-5639C4D5A097}"/>
-              </a:ext>
-            </a:extLst>
-          </p:cNvPr>
-          <p:cNvPicPr>
-            <a:picLocks noChangeAspect="1"/>
-          </p:cNvPicPr>
-          <p:nvPr/>
-        </p:nvPicPr>
-        <p:blipFill>
-          <a:blip r:embed="rId2"/>
-          <a:stretch>
-            <a:fillRect/>
-          </a:stretch>
-        </p:blipFill>
-        <p:spPr>
-          <a:xfrm>
-            <a:off x="369681" y="1644000"/>
-            <a:ext cx="4303488" cy="1248012"/>
-          </a:xfrm>
-          <a:prstGeom prst="rect">
-            <a:avLst/>
-          </a:prstGeom>
-        </p:spPr>
-      </p:pic>
-      <p:sp>
-        <p:nvSpPr>
-          <p:cNvPr id="6" name="TextBox 5">
-            <a:extLst>
-              <a:ext uri="{FF2B5EF4-FFF2-40B4-BE49-F238E27FC236}">
-                <a16:creationId xmlns:a16="http://schemas.microsoft.com/office/drawing/2014/main" id="{A39F394F-61A5-BB4F-A084-F46D5B84514B}"/>
-              </a:ext>
-            </a:extLst>
-          </p:cNvPr>
-          <p:cNvSpPr txBox="1"/>
-          <p:nvPr/>
-        </p:nvSpPr>
-        <p:spPr>
-          <a:xfrm>
-            <a:off x="8742669" y="5056954"/>
-            <a:ext cx="3545633" cy="2308324"/>
-          </a:xfrm>
-          <a:prstGeom prst="rect">
-            <a:avLst/>
-          </a:prstGeom>
-          <a:noFill/>
-        </p:spPr>
-        <p:txBody>
-          <a:bodyPr wrap="square" rtlCol="0">
-            <a:spAutoFit/>
-          </a:bodyPr>
-          <a:lstStyle/>
-          <a:p>
-            <a:r>
-              <a:rPr lang="en-US" dirty="0">
-                <a:hlinkClick r:id="rId3"/>
-              </a:rPr>
-              <a:t>https://keras.rstudio.com/</a:t>
-            </a:r>
-            <a:endParaRPr lang="en-US" dirty="0"/>
-          </a:p>
-          <a:p>
-            <a:r>
-              <a:rPr lang="en-US" dirty="0">
-                <a:hlinkClick r:id="rId4"/>
-              </a:rPr>
-              <a:t>https://tensorflow.rstudio.com/</a:t>
-            </a:r>
-            <a:endParaRPr lang="en-US" dirty="0"/>
-          </a:p>
-          <a:p>
-            <a:r>
-              <a:rPr lang="en-US" dirty="0">
-                <a:hlinkClick r:id="rId5"/>
-              </a:rPr>
-              <a:t>https://github.com/greta-dev/greta</a:t>
-            </a:r>
-            <a:endParaRPr lang="en-US" dirty="0"/>
-          </a:p>
-          <a:p>
-            <a:r>
-              <a:rPr lang="en-US" dirty="0">
-                <a:hlinkClick r:id="rId6"/>
-              </a:rPr>
-              <a:t>https://torch.mlverse.org/</a:t>
-            </a:r>
-            <a:endParaRPr lang="en-US" dirty="0"/>
-          </a:p>
-          <a:p>
-            <a:r>
-              <a:rPr lang="en-US" dirty="0">
-                <a:hlinkClick r:id="rId7"/>
-              </a:rPr>
-              <a:t>https://github.com/stan-dev/logos</a:t>
-            </a:r>
-            <a:endParaRPr lang="en-US" dirty="0"/>
-          </a:p>
-          <a:p>
-            <a:r>
-              <a:rPr lang="en-US" dirty="0">
-                <a:hlinkClick r:id="rId8"/>
-              </a:rPr>
-              <a:t>https://r-nimble.org/</a:t>
-            </a:r>
-            <a:endParaRPr lang="en-US" dirty="0"/>
-          </a:p>
-          <a:p>
-            <a:endParaRPr lang="en-US" dirty="0"/>
-          </a:p>
-          <a:p>
-            <a:endParaRPr lang="en-US" dirty="0"/>
-          </a:p>
-        </p:txBody>
-      </p:sp>
-      <p:pic>
-        <p:nvPicPr>
-          <p:cNvPr id="8" name="Graphic 7">
-            <a:extLst>
-              <a:ext uri="{FF2B5EF4-FFF2-40B4-BE49-F238E27FC236}">
-                <a16:creationId xmlns:a16="http://schemas.microsoft.com/office/drawing/2014/main" id="{E1ADEEB3-0E31-524B-81F7-A36FABCBE806}"/>
-              </a:ext>
-            </a:extLst>
-          </p:cNvPr>
-          <p:cNvPicPr>
-            <a:picLocks noChangeAspect="1"/>
-          </p:cNvPicPr>
-          <p:nvPr/>
-        </p:nvPicPr>
-        <p:blipFill>
-          <a:blip r:embed="rId9">
-            <a:extLst>
-              <a:ext uri="{96DAC541-7B7A-43D3-8B79-37D633B846F1}">
-                <asvg:svgBlip xmlns:asvg="http://schemas.microsoft.com/office/drawing/2016/SVG/main" r:embed="rId10"/>
-              </a:ext>
-            </a:extLst>
-          </a:blip>
-          <a:stretch>
-            <a:fillRect/>
-          </a:stretch>
-        </p:blipFill>
-        <p:spPr>
-          <a:xfrm>
-            <a:off x="3289181" y="2664554"/>
-            <a:ext cx="3524195" cy="2258017"/>
-          </a:xfrm>
-          <a:prstGeom prst="rect">
-            <a:avLst/>
-          </a:prstGeom>
-        </p:spPr>
-      </p:pic>
-      <p:pic>
-        <p:nvPicPr>
-          <p:cNvPr id="12" name="Picture 11">
-            <a:extLst>
-              <a:ext uri="{FF2B5EF4-FFF2-40B4-BE49-F238E27FC236}">
-                <a16:creationId xmlns:a16="http://schemas.microsoft.com/office/drawing/2014/main" id="{3104A7C4-77F1-694A-B581-6E6C400ABD92}"/>
-              </a:ext>
-            </a:extLst>
-          </p:cNvPr>
-          <p:cNvPicPr>
-            <a:picLocks noChangeAspect="1"/>
-          </p:cNvPicPr>
-          <p:nvPr/>
-        </p:nvPicPr>
-        <p:blipFill>
-          <a:blip r:embed="rId11"/>
-          <a:stretch>
-            <a:fillRect/>
-          </a:stretch>
-        </p:blipFill>
-        <p:spPr>
-          <a:xfrm>
-            <a:off x="7007894" y="2609690"/>
-            <a:ext cx="1795259" cy="2064548"/>
-          </a:xfrm>
-          <a:prstGeom prst="rect">
-            <a:avLst/>
-          </a:prstGeom>
-        </p:spPr>
-      </p:pic>
-      <p:pic>
-        <p:nvPicPr>
-          <p:cNvPr id="13" name="Picture 12">
-            <a:extLst>
-              <a:ext uri="{FF2B5EF4-FFF2-40B4-BE49-F238E27FC236}">
-                <a16:creationId xmlns:a16="http://schemas.microsoft.com/office/drawing/2014/main" id="{D0D288BC-8CA6-604E-B1A0-380516BFB3AA}"/>
-              </a:ext>
-            </a:extLst>
-          </p:cNvPr>
-          <p:cNvPicPr>
-            <a:picLocks noChangeAspect="1"/>
-          </p:cNvPicPr>
-          <p:nvPr/>
-        </p:nvPicPr>
-        <p:blipFill>
-          <a:blip r:embed="rId12"/>
-          <a:stretch>
-            <a:fillRect/>
-          </a:stretch>
-        </p:blipFill>
-        <p:spPr>
-          <a:xfrm>
-            <a:off x="1131827" y="3187870"/>
-            <a:ext cx="1795258" cy="2064547"/>
-          </a:xfrm>
-          <a:prstGeom prst="rect">
-            <a:avLst/>
-          </a:prstGeom>
-        </p:spPr>
-      </p:pic>
-      <p:pic>
-        <p:nvPicPr>
-          <p:cNvPr id="14" name="Picture 13">
-            <a:extLst>
-              <a:ext uri="{FF2B5EF4-FFF2-40B4-BE49-F238E27FC236}">
-                <a16:creationId xmlns:a16="http://schemas.microsoft.com/office/drawing/2014/main" id="{B52E7BAD-8490-9E43-BC20-F819D2CB1D2C}"/>
-              </a:ext>
-            </a:extLst>
-          </p:cNvPr>
-          <p:cNvPicPr>
-            <a:picLocks noChangeAspect="1"/>
-          </p:cNvPicPr>
-          <p:nvPr/>
-        </p:nvPicPr>
-        <p:blipFill>
-          <a:blip r:embed="rId13"/>
-          <a:stretch>
-            <a:fillRect/>
-          </a:stretch>
-        </p:blipFill>
-        <p:spPr>
-          <a:xfrm>
-            <a:off x="246490" y="4720123"/>
-            <a:ext cx="1770674" cy="2036110"/>
-          </a:xfrm>
-          <a:prstGeom prst="rect">
-            <a:avLst/>
-          </a:prstGeom>
-        </p:spPr>
-      </p:pic>
-      <p:pic>
-        <p:nvPicPr>
-          <p:cNvPr id="15" name="Picture 14">
-            <a:extLst>
-              <a:ext uri="{FF2B5EF4-FFF2-40B4-BE49-F238E27FC236}">
-                <a16:creationId xmlns:a16="http://schemas.microsoft.com/office/drawing/2014/main" id="{D3D2C208-9000-F649-951F-04277B56CE6F}"/>
-              </a:ext>
-            </a:extLst>
-          </p:cNvPr>
-          <p:cNvPicPr>
-            <a:picLocks noChangeAspect="1"/>
-          </p:cNvPicPr>
-          <p:nvPr/>
-        </p:nvPicPr>
-        <p:blipFill>
-          <a:blip r:embed="rId14"/>
-          <a:stretch>
-            <a:fillRect/>
-          </a:stretch>
-        </p:blipFill>
-        <p:spPr>
-          <a:xfrm>
-            <a:off x="2003516" y="4719958"/>
-            <a:ext cx="1770674" cy="2036275"/>
-          </a:xfrm>
-          <a:prstGeom prst="rect">
-            <a:avLst/>
-          </a:prstGeom>
-        </p:spPr>
-      </p:pic>
-      <p:pic>
-        <p:nvPicPr>
-          <p:cNvPr id="17" name="Picture 16">
-            <a:extLst>
-              <a:ext uri="{FF2B5EF4-FFF2-40B4-BE49-F238E27FC236}">
-                <a16:creationId xmlns:a16="http://schemas.microsoft.com/office/drawing/2014/main" id="{9D10EEA4-BB74-FF44-8B10-4216CD10FD0A}"/>
-              </a:ext>
-            </a:extLst>
-          </p:cNvPr>
-          <p:cNvPicPr>
-            <a:picLocks noChangeAspect="1"/>
-          </p:cNvPicPr>
-          <p:nvPr/>
-        </p:nvPicPr>
-        <p:blipFill>
-          <a:blip r:embed="rId15"/>
-          <a:stretch>
-            <a:fillRect/>
-          </a:stretch>
-        </p:blipFill>
-        <p:spPr>
-          <a:xfrm>
-            <a:off x="9312264" y="1718181"/>
-            <a:ext cx="2191413" cy="2191413"/>
-          </a:xfrm>
-          <a:prstGeom prst="rect">
-            <a:avLst/>
-          </a:prstGeom>
-        </p:spPr>
-      </p:pic>
-      <p:sp>
-        <p:nvSpPr>
-          <p:cNvPr id="18" name="TextBox 17">
-            <a:extLst>
-              <a:ext uri="{FF2B5EF4-FFF2-40B4-BE49-F238E27FC236}">
-                <a16:creationId xmlns:a16="http://schemas.microsoft.com/office/drawing/2014/main" id="{FDE8CDC0-D9EB-B145-95F3-FB950A737764}"/>
-              </a:ext>
-            </a:extLst>
-          </p:cNvPr>
-          <p:cNvSpPr txBox="1"/>
-          <p:nvPr/>
-        </p:nvSpPr>
-        <p:spPr>
-          <a:xfrm>
-            <a:off x="9559372" y="3909594"/>
-            <a:ext cx="1697196" cy="1107996"/>
-          </a:xfrm>
-          <a:prstGeom prst="rect">
-            <a:avLst/>
-          </a:prstGeom>
-          <a:noFill/>
-        </p:spPr>
-        <p:txBody>
-          <a:bodyPr wrap="none" rtlCol="0">
-            <a:spAutoFit/>
-          </a:bodyPr>
-          <a:lstStyle/>
-          <a:p>
-            <a:r>
-              <a:rPr lang="en-US" sz="6600" dirty="0"/>
-              <a:t>Stan</a:t>
-            </a:r>
-          </a:p>
-        </p:txBody>
-      </p:sp>
-      <p:pic>
-        <p:nvPicPr>
-          <p:cNvPr id="19" name="Picture 18">
-            <a:extLst>
-              <a:ext uri="{FF2B5EF4-FFF2-40B4-BE49-F238E27FC236}">
-                <a16:creationId xmlns:a16="http://schemas.microsoft.com/office/drawing/2014/main" id="{CC90DF57-8FC3-0143-A702-83BDF20F8D53}"/>
-              </a:ext>
-            </a:extLst>
-          </p:cNvPr>
-          <p:cNvPicPr>
-            <a:picLocks noChangeAspect="1"/>
-          </p:cNvPicPr>
-          <p:nvPr/>
-        </p:nvPicPr>
-        <p:blipFill>
-          <a:blip r:embed="rId16"/>
-          <a:stretch>
-            <a:fillRect/>
-          </a:stretch>
-        </p:blipFill>
-        <p:spPr>
-          <a:xfrm>
-            <a:off x="4222602" y="5491413"/>
-            <a:ext cx="4303487" cy="1004147"/>
-          </a:xfrm>
-          <a:prstGeom prst="rect">
-            <a:avLst/>
-          </a:prstGeom>
-        </p:spPr>
-      </p:pic>
-    </p:spTree>
-    <p:extLst>
-      <p:ext uri="{BB962C8B-B14F-4D97-AF65-F5344CB8AC3E}">
-        <p14:creationId xmlns:p14="http://schemas.microsoft.com/office/powerpoint/2010/main" val="3094488902"/>
-      </p:ext>
-    </p:extLst>
-  </p:cSld>
-  <p:clrMapOvr>
-    <a:masterClrMapping/>
-  </p:clrMapOvr>
-</p:sld>
-</file>
-
-<file path=ppt/slides/slide2.xml><?xml version="1.0" encoding="utf-8"?>
-<p:sld xmlns:a="http://schemas.openxmlformats.org/drawingml/2006/main" xmlns:r="http://schemas.openxmlformats.org/officeDocument/2006/relationships" xmlns:p="http://schemas.openxmlformats.org/presentationml/2006/main">
-  <p:cSld>
-    <p:spTree>
-      <p:nvGrpSpPr>
-        <p:cNvPr id="1" name=""/>
-        <p:cNvGrpSpPr/>
-        <p:nvPr/>
-      </p:nvGrpSpPr>
-      <p:grpSpPr>
-        <a:xfrm>
-          <a:off x="0" y="0"/>
-          <a:ext cx="0" cy="0"/>
-          <a:chOff x="0" y="0"/>
-          <a:chExt cx="0" cy="0"/>
-        </a:xfrm>
-      </p:grpSpPr>
-      <p:pic>
-        <p:nvPicPr>
           <p:cNvPr id="22" name="Picture 21" descr="A silhouette of a person&#10;&#10;Description automatically generated with low confidence">
             <a:extLst>
               <a:ext uri="{FF2B5EF4-FFF2-40B4-BE49-F238E27FC236}">
@@ -5334,7 +4933,7 @@
 </p:sld>
 </file>
 
-<file path=ppt/slides/slide3.xml><?xml version="1.0" encoding="utf-8"?>
+<file path=ppt/slides/slide2.xml><?xml version="1.0" encoding="utf-8"?>
 <p:sld xmlns:a="http://schemas.openxmlformats.org/drawingml/2006/main" xmlns:r="http://schemas.openxmlformats.org/officeDocument/2006/relationships" xmlns:p="http://schemas.openxmlformats.org/presentationml/2006/main">
   <p:cSld>
     <p:spTree>

--- a/images/figures.pptx
+++ b/images/figures.pptx
@@ -7,6 +7,7 @@
   <p:sldIdLst>
     <p:sldId id="257" r:id="rId2"/>
     <p:sldId id="258" r:id="rId3"/>
+    <p:sldId id="259" r:id="rId4"/>
   </p:sldIdLst>
   <p:sldSz cx="12192000" cy="6858000"/>
   <p:notesSz cx="6858000" cy="9144000"/>
@@ -260,7 +261,7 @@
           <a:p>
             <a:fld id="{F7629C0C-AFAF-9845-8371-7CE497ABAF14}" type="datetimeFigureOut">
               <a:rPr lang="en-US" smtClean="0"/>
-              <a:t>4/30/21</a:t>
+              <a:t>6/15/21</a:t>
             </a:fld>
             <a:endParaRPr lang="en-US"/>
           </a:p>
@@ -458,7 +459,7 @@
           <a:p>
             <a:fld id="{F7629C0C-AFAF-9845-8371-7CE497ABAF14}" type="datetimeFigureOut">
               <a:rPr lang="en-US" smtClean="0"/>
-              <a:t>4/30/21</a:t>
+              <a:t>6/15/21</a:t>
             </a:fld>
             <a:endParaRPr lang="en-US"/>
           </a:p>
@@ -666,7 +667,7 @@
           <a:p>
             <a:fld id="{F7629C0C-AFAF-9845-8371-7CE497ABAF14}" type="datetimeFigureOut">
               <a:rPr lang="en-US" smtClean="0"/>
-              <a:t>4/30/21</a:t>
+              <a:t>6/15/21</a:t>
             </a:fld>
             <a:endParaRPr lang="en-US"/>
           </a:p>
@@ -864,7 +865,7 @@
           <a:p>
             <a:fld id="{F7629C0C-AFAF-9845-8371-7CE497ABAF14}" type="datetimeFigureOut">
               <a:rPr lang="en-US" smtClean="0"/>
-              <a:t>4/30/21</a:t>
+              <a:t>6/15/21</a:t>
             </a:fld>
             <a:endParaRPr lang="en-US"/>
           </a:p>
@@ -1139,7 +1140,7 @@
           <a:p>
             <a:fld id="{F7629C0C-AFAF-9845-8371-7CE497ABAF14}" type="datetimeFigureOut">
               <a:rPr lang="en-US" smtClean="0"/>
-              <a:t>4/30/21</a:t>
+              <a:t>6/15/21</a:t>
             </a:fld>
             <a:endParaRPr lang="en-US"/>
           </a:p>
@@ -1404,7 +1405,7 @@
           <a:p>
             <a:fld id="{F7629C0C-AFAF-9845-8371-7CE497ABAF14}" type="datetimeFigureOut">
               <a:rPr lang="en-US" smtClean="0"/>
-              <a:t>4/30/21</a:t>
+              <a:t>6/15/21</a:t>
             </a:fld>
             <a:endParaRPr lang="en-US"/>
           </a:p>
@@ -1816,7 +1817,7 @@
           <a:p>
             <a:fld id="{F7629C0C-AFAF-9845-8371-7CE497ABAF14}" type="datetimeFigureOut">
               <a:rPr lang="en-US" smtClean="0"/>
-              <a:t>4/30/21</a:t>
+              <a:t>6/15/21</a:t>
             </a:fld>
             <a:endParaRPr lang="en-US"/>
           </a:p>
@@ -1957,7 +1958,7 @@
           <a:p>
             <a:fld id="{F7629C0C-AFAF-9845-8371-7CE497ABAF14}" type="datetimeFigureOut">
               <a:rPr lang="en-US" smtClean="0"/>
-              <a:t>4/30/21</a:t>
+              <a:t>6/15/21</a:t>
             </a:fld>
             <a:endParaRPr lang="en-US"/>
           </a:p>
@@ -2070,7 +2071,7 @@
           <a:p>
             <a:fld id="{F7629C0C-AFAF-9845-8371-7CE497ABAF14}" type="datetimeFigureOut">
               <a:rPr lang="en-US" smtClean="0"/>
-              <a:t>4/30/21</a:t>
+              <a:t>6/15/21</a:t>
             </a:fld>
             <a:endParaRPr lang="en-US"/>
           </a:p>
@@ -2381,7 +2382,7 @@
           <a:p>
             <a:fld id="{F7629C0C-AFAF-9845-8371-7CE497ABAF14}" type="datetimeFigureOut">
               <a:rPr lang="en-US" smtClean="0"/>
-              <a:t>4/30/21</a:t>
+              <a:t>6/15/21</a:t>
             </a:fld>
             <a:endParaRPr lang="en-US"/>
           </a:p>
@@ -2669,7 +2670,7 @@
           <a:p>
             <a:fld id="{F7629C0C-AFAF-9845-8371-7CE497ABAF14}" type="datetimeFigureOut">
               <a:rPr lang="en-US" smtClean="0"/>
-              <a:t>4/30/21</a:t>
+              <a:t>6/15/21</a:t>
             </a:fld>
             <a:endParaRPr lang="en-US"/>
           </a:p>
@@ -2910,7 +2911,7 @@
           <a:p>
             <a:fld id="{F7629C0C-AFAF-9845-8371-7CE497ABAF14}" type="datetimeFigureOut">
               <a:rPr lang="en-US" smtClean="0"/>
-              <a:t>4/30/21</a:t>
+              <a:t>6/15/21</a:t>
             </a:fld>
             <a:endParaRPr lang="en-US"/>
           </a:p>
@@ -4874,52 +4875,36 @@
           </a:prstGeom>
         </p:spPr>
       </p:pic>
-      <p:sp>
-        <p:nvSpPr>
-          <p:cNvPr id="50" name="Multiply 49">
-            <a:extLst>
-              <a:ext uri="{FF2B5EF4-FFF2-40B4-BE49-F238E27FC236}">
-                <a16:creationId xmlns:a16="http://schemas.microsoft.com/office/drawing/2014/main" id="{8150AB9B-5F02-394A-903F-8C3A345C07CF}"/>
-              </a:ext>
-            </a:extLst>
-          </p:cNvPr>
-          <p:cNvSpPr/>
+      <p:pic>
+        <p:nvPicPr>
+          <p:cNvPr id="19" name="Picture 18">
+            <a:extLst>
+              <a:ext uri="{FF2B5EF4-FFF2-40B4-BE49-F238E27FC236}">
+                <a16:creationId xmlns:a16="http://schemas.microsoft.com/office/drawing/2014/main" id="{331DA705-5E27-3542-9820-A799A090064C}"/>
+              </a:ext>
+            </a:extLst>
+          </p:cNvPr>
+          <p:cNvPicPr>
+            <a:picLocks noChangeAspect="1"/>
+          </p:cNvPicPr>
           <p:nvPr/>
-        </p:nvSpPr>
-        <p:spPr>
-          <a:xfrm>
-            <a:off x="8293234" y="1583937"/>
-            <a:ext cx="1005840" cy="993468"/>
-          </a:xfrm>
-          <a:prstGeom prst="mathMultiply">
+        </p:nvPicPr>
+        <p:blipFill>
+          <a:blip r:embed="rId8"/>
+          <a:stretch>
+            <a:fillRect/>
+          </a:stretch>
+        </p:blipFill>
+        <p:spPr>
+          <a:xfrm>
+            <a:off x="8552314" y="1890900"/>
+            <a:ext cx="457200" cy="457200"/>
+          </a:xfrm>
+          <a:prstGeom prst="rect">
             <a:avLst/>
           </a:prstGeom>
         </p:spPr>
-        <p:style>
-          <a:lnRef idx="2">
-            <a:schemeClr val="dk1">
-              <a:shade val="50000"/>
-            </a:schemeClr>
-          </a:lnRef>
-          <a:fillRef idx="1">
-            <a:schemeClr val="dk1"/>
-          </a:fillRef>
-          <a:effectRef idx="0">
-            <a:schemeClr val="dk1"/>
-          </a:effectRef>
-          <a:fontRef idx="minor">
-            <a:schemeClr val="lt1"/>
-          </a:fontRef>
-        </p:style>
-        <p:txBody>
-          <a:bodyPr rtlCol="0" anchor="ctr"/>
-          <a:lstStyle/>
-          <a:p>
-            <a:pPr algn="ctr"/>
-            <a:endParaRPr lang="en-US"/>
-          </a:p>
-        </p:txBody>
-      </p:sp>
+      </p:pic>
     </p:spTree>
     <p:extLst>
       <p:ext uri="{BB962C8B-B14F-4D97-AF65-F5344CB8AC3E}">
@@ -5863,36 +5848,6 @@
       </p:sp>
       <p:pic>
         <p:nvPicPr>
-          <p:cNvPr id="55" name="Picture 54">
-            <a:extLst>
-              <a:ext uri="{FF2B5EF4-FFF2-40B4-BE49-F238E27FC236}">
-                <a16:creationId xmlns:a16="http://schemas.microsoft.com/office/drawing/2014/main" id="{73FCA6EA-40F4-5744-A213-AE2774C5731C}"/>
-              </a:ext>
-            </a:extLst>
-          </p:cNvPr>
-          <p:cNvPicPr>
-            <a:picLocks noChangeAspect="1"/>
-          </p:cNvPicPr>
-          <p:nvPr/>
-        </p:nvPicPr>
-        <p:blipFill>
-          <a:blip r:embed="rId3"/>
-          <a:stretch>
-            <a:fillRect/>
-          </a:stretch>
-        </p:blipFill>
-        <p:spPr>
-          <a:xfrm>
-            <a:off x="3905717" y="166589"/>
-            <a:ext cx="1886134" cy="2581729"/>
-          </a:xfrm>
-          <a:prstGeom prst="rect">
-            <a:avLst/>
-          </a:prstGeom>
-        </p:spPr>
-      </p:pic>
-      <p:pic>
-        <p:nvPicPr>
           <p:cNvPr id="57" name="Picture 56">
             <a:extLst>
               <a:ext uri="{FF2B5EF4-FFF2-40B4-BE49-F238E27FC236}">
@@ -6190,7 +6145,7 @@
           <a:p>
             <a:r>
               <a:rPr lang="en-US" dirty="0">
-                <a:hlinkClick r:id="rId4"/>
+                <a:hlinkClick r:id="rId3"/>
               </a:rPr>
               <a:t>https://openclipart.org/</a:t>
             </a:r>
@@ -6201,10 +6156,160 @@
           </a:p>
         </p:txBody>
       </p:sp>
+      <p:pic>
+        <p:nvPicPr>
+          <p:cNvPr id="3" name="Picture 2" descr="Icon&#10;&#10;Description automatically generated">
+            <a:extLst>
+              <a:ext uri="{FF2B5EF4-FFF2-40B4-BE49-F238E27FC236}">
+                <a16:creationId xmlns:a16="http://schemas.microsoft.com/office/drawing/2014/main" id="{B79CE5A7-CC45-0743-A7E8-9F20FFEA93EF}"/>
+              </a:ext>
+            </a:extLst>
+          </p:cNvPr>
+          <p:cNvPicPr>
+            <a:picLocks noChangeAspect="1"/>
+          </p:cNvPicPr>
+          <p:nvPr/>
+        </p:nvPicPr>
+        <p:blipFill>
+          <a:blip r:embed="rId4"/>
+          <a:stretch>
+            <a:fillRect/>
+          </a:stretch>
+        </p:blipFill>
+        <p:spPr>
+          <a:xfrm flipH="1">
+            <a:off x="4000481" y="512113"/>
+            <a:ext cx="1779333" cy="2192511"/>
+          </a:xfrm>
+          <a:prstGeom prst="rect">
+            <a:avLst/>
+          </a:prstGeom>
+        </p:spPr>
+      </p:pic>
     </p:spTree>
     <p:extLst>
       <p:ext uri="{BB962C8B-B14F-4D97-AF65-F5344CB8AC3E}">
         <p14:creationId xmlns:p14="http://schemas.microsoft.com/office/powerpoint/2010/main" val="2599836842"/>
+      </p:ext>
+    </p:extLst>
+  </p:cSld>
+  <p:clrMapOvr>
+    <a:masterClrMapping/>
+  </p:clrMapOvr>
+</p:sld>
+</file>
+
+<file path=ppt/slides/slide3.xml><?xml version="1.0" encoding="utf-8"?>
+<p:sld xmlns:a="http://schemas.openxmlformats.org/drawingml/2006/main" xmlns:r="http://schemas.openxmlformats.org/officeDocument/2006/relationships" xmlns:p="http://schemas.openxmlformats.org/presentationml/2006/main">
+  <p:cSld>
+    <p:spTree>
+      <p:nvGrpSpPr>
+        <p:cNvPr id="1" name=""/>
+        <p:cNvGrpSpPr/>
+        <p:nvPr/>
+      </p:nvGrpSpPr>
+      <p:grpSpPr>
+        <a:xfrm>
+          <a:off x="0" y="0"/>
+          <a:ext cx="0" cy="0"/>
+          <a:chOff x="0" y="0"/>
+          <a:chExt cx="0" cy="0"/>
+        </a:xfrm>
+      </p:grpSpPr>
+      <p:pic>
+        <p:nvPicPr>
+          <p:cNvPr id="5" name="Picture 4" descr="A picture containing graphical user interface&#10;&#10;Description automatically generated">
+            <a:extLst>
+              <a:ext uri="{FF2B5EF4-FFF2-40B4-BE49-F238E27FC236}">
+                <a16:creationId xmlns:a16="http://schemas.microsoft.com/office/drawing/2014/main" id="{83DF87D3-DD7B-0D4C-BA55-CF761DFAABCC}"/>
+              </a:ext>
+            </a:extLst>
+          </p:cNvPr>
+          <p:cNvPicPr>
+            <a:picLocks noChangeAspect="1"/>
+          </p:cNvPicPr>
+          <p:nvPr/>
+        </p:nvPicPr>
+        <p:blipFill>
+          <a:blip r:embed="rId2"/>
+          <a:stretch>
+            <a:fillRect/>
+          </a:stretch>
+        </p:blipFill>
+        <p:spPr>
+          <a:xfrm>
+            <a:off x="2822576" y="195943"/>
+            <a:ext cx="3166834" cy="3657600"/>
+          </a:xfrm>
+          <a:prstGeom prst="rect">
+            <a:avLst/>
+          </a:prstGeom>
+        </p:spPr>
+      </p:pic>
+      <p:pic>
+        <p:nvPicPr>
+          <p:cNvPr id="7" name="Picture 6" descr="Logo, company name&#10;&#10;Description automatically generated">
+            <a:extLst>
+              <a:ext uri="{FF2B5EF4-FFF2-40B4-BE49-F238E27FC236}">
+                <a16:creationId xmlns:a16="http://schemas.microsoft.com/office/drawing/2014/main" id="{709926C2-8DD6-CC41-9947-04047877DAB7}"/>
+              </a:ext>
+            </a:extLst>
+          </p:cNvPr>
+          <p:cNvPicPr>
+            <a:picLocks noChangeAspect="1"/>
+          </p:cNvPicPr>
+          <p:nvPr/>
+        </p:nvPicPr>
+        <p:blipFill>
+          <a:blip r:embed="rId3"/>
+          <a:stretch>
+            <a:fillRect/>
+          </a:stretch>
+        </p:blipFill>
+        <p:spPr>
+          <a:xfrm>
+            <a:off x="6199154" y="195943"/>
+            <a:ext cx="3170270" cy="3657600"/>
+          </a:xfrm>
+          <a:prstGeom prst="rect">
+            <a:avLst/>
+          </a:prstGeom>
+        </p:spPr>
+      </p:pic>
+      <p:pic>
+        <p:nvPicPr>
+          <p:cNvPr id="9" name="Picture 8" descr="Icon&#10;&#10;Description automatically generated">
+            <a:extLst>
+              <a:ext uri="{FF2B5EF4-FFF2-40B4-BE49-F238E27FC236}">
+                <a16:creationId xmlns:a16="http://schemas.microsoft.com/office/drawing/2014/main" id="{F72BDFA0-4F8E-8E40-858B-34F8EEC203A9}"/>
+              </a:ext>
+            </a:extLst>
+          </p:cNvPr>
+          <p:cNvPicPr>
+            <a:picLocks noChangeAspect="1"/>
+          </p:cNvPicPr>
+          <p:nvPr/>
+        </p:nvPicPr>
+        <p:blipFill>
+          <a:blip r:embed="rId4"/>
+          <a:stretch>
+            <a:fillRect/>
+          </a:stretch>
+        </p:blipFill>
+        <p:spPr>
+          <a:xfrm>
+            <a:off x="4512583" y="3106965"/>
+            <a:ext cx="3166834" cy="3657600"/>
+          </a:xfrm>
+          <a:prstGeom prst="rect">
+            <a:avLst/>
+          </a:prstGeom>
+        </p:spPr>
+      </p:pic>
+    </p:spTree>
+    <p:extLst>
+      <p:ext uri="{BB962C8B-B14F-4D97-AF65-F5344CB8AC3E}">
+        <p14:creationId xmlns:p14="http://schemas.microsoft.com/office/powerpoint/2010/main" val="956655739"/>
       </p:ext>
     </p:extLst>
   </p:cSld>

--- a/images/figures.pptx
+++ b/images/figures.pptx
@@ -261,7 +261,7 @@
           <a:p>
             <a:fld id="{F7629C0C-AFAF-9845-8371-7CE497ABAF14}" type="datetimeFigureOut">
               <a:rPr lang="en-US" smtClean="0"/>
-              <a:t>6/15/21</a:t>
+              <a:t>7/20/21</a:t>
             </a:fld>
             <a:endParaRPr lang="en-US"/>
           </a:p>
@@ -459,7 +459,7 @@
           <a:p>
             <a:fld id="{F7629C0C-AFAF-9845-8371-7CE497ABAF14}" type="datetimeFigureOut">
               <a:rPr lang="en-US" smtClean="0"/>
-              <a:t>6/15/21</a:t>
+              <a:t>7/20/21</a:t>
             </a:fld>
             <a:endParaRPr lang="en-US"/>
           </a:p>
@@ -667,7 +667,7 @@
           <a:p>
             <a:fld id="{F7629C0C-AFAF-9845-8371-7CE497ABAF14}" type="datetimeFigureOut">
               <a:rPr lang="en-US" smtClean="0"/>
-              <a:t>6/15/21</a:t>
+              <a:t>7/20/21</a:t>
             </a:fld>
             <a:endParaRPr lang="en-US"/>
           </a:p>
@@ -865,7 +865,7 @@
           <a:p>
             <a:fld id="{F7629C0C-AFAF-9845-8371-7CE497ABAF14}" type="datetimeFigureOut">
               <a:rPr lang="en-US" smtClean="0"/>
-              <a:t>6/15/21</a:t>
+              <a:t>7/20/21</a:t>
             </a:fld>
             <a:endParaRPr lang="en-US"/>
           </a:p>
@@ -1140,7 +1140,7 @@
           <a:p>
             <a:fld id="{F7629C0C-AFAF-9845-8371-7CE497ABAF14}" type="datetimeFigureOut">
               <a:rPr lang="en-US" smtClean="0"/>
-              <a:t>6/15/21</a:t>
+              <a:t>7/20/21</a:t>
             </a:fld>
             <a:endParaRPr lang="en-US"/>
           </a:p>
@@ -1405,7 +1405,7 @@
           <a:p>
             <a:fld id="{F7629C0C-AFAF-9845-8371-7CE497ABAF14}" type="datetimeFigureOut">
               <a:rPr lang="en-US" smtClean="0"/>
-              <a:t>6/15/21</a:t>
+              <a:t>7/20/21</a:t>
             </a:fld>
             <a:endParaRPr lang="en-US"/>
           </a:p>
@@ -1817,7 +1817,7 @@
           <a:p>
             <a:fld id="{F7629C0C-AFAF-9845-8371-7CE497ABAF14}" type="datetimeFigureOut">
               <a:rPr lang="en-US" smtClean="0"/>
-              <a:t>6/15/21</a:t>
+              <a:t>7/20/21</a:t>
             </a:fld>
             <a:endParaRPr lang="en-US"/>
           </a:p>
@@ -1958,7 +1958,7 @@
           <a:p>
             <a:fld id="{F7629C0C-AFAF-9845-8371-7CE497ABAF14}" type="datetimeFigureOut">
               <a:rPr lang="en-US" smtClean="0"/>
-              <a:t>6/15/21</a:t>
+              <a:t>7/20/21</a:t>
             </a:fld>
             <a:endParaRPr lang="en-US"/>
           </a:p>
@@ -2071,7 +2071,7 @@
           <a:p>
             <a:fld id="{F7629C0C-AFAF-9845-8371-7CE497ABAF14}" type="datetimeFigureOut">
               <a:rPr lang="en-US" smtClean="0"/>
-              <a:t>6/15/21</a:t>
+              <a:t>7/20/21</a:t>
             </a:fld>
             <a:endParaRPr lang="en-US"/>
           </a:p>
@@ -2382,7 +2382,7 @@
           <a:p>
             <a:fld id="{F7629C0C-AFAF-9845-8371-7CE497ABAF14}" type="datetimeFigureOut">
               <a:rPr lang="en-US" smtClean="0"/>
-              <a:t>6/15/21</a:t>
+              <a:t>7/20/21</a:t>
             </a:fld>
             <a:endParaRPr lang="en-US"/>
           </a:p>
@@ -2670,7 +2670,7 @@
           <a:p>
             <a:fld id="{F7629C0C-AFAF-9845-8371-7CE497ABAF14}" type="datetimeFigureOut">
               <a:rPr lang="en-US" smtClean="0"/>
-              <a:t>6/15/21</a:t>
+              <a:t>7/20/21</a:t>
             </a:fld>
             <a:endParaRPr lang="en-US"/>
           </a:p>
@@ -2911,7 +2911,7 @@
           <a:p>
             <a:fld id="{F7629C0C-AFAF-9845-8371-7CE497ABAF14}" type="datetimeFigureOut">
               <a:rPr lang="en-US" smtClean="0"/>
-              <a:t>6/15/21</a:t>
+              <a:t>7/20/21</a:t>
             </a:fld>
             <a:endParaRPr lang="en-US"/>
           </a:p>
@@ -3350,7 +3350,7 @@
         </p:blipFill>
         <p:spPr>
           <a:xfrm rot="2711540">
-            <a:off x="3004345" y="3814602"/>
+            <a:off x="1119266" y="1951672"/>
             <a:ext cx="2971791" cy="2632804"/>
           </a:xfrm>
           <a:prstGeom prst="rect">
@@ -3376,8 +3376,8 @@
         </p:nvSpPr>
         <p:spPr>
           <a:xfrm>
-            <a:off x="3133795" y="31399"/>
-            <a:ext cx="2874259" cy="737870"/>
+            <a:off x="1420017" y="667823"/>
+            <a:ext cx="2668472" cy="737870"/>
           </a:xfrm>
         </p:spPr>
         <p:txBody>
@@ -3430,8 +3430,8 @@
         </p:nvSpPr>
         <p:spPr>
           <a:xfrm>
-            <a:off x="8156894" y="50195"/>
-            <a:ext cx="1871472" cy="737870"/>
+            <a:off x="6194717" y="675582"/>
+            <a:ext cx="1579592" cy="737870"/>
           </a:xfrm>
           <a:prstGeom prst="rect">
             <a:avLst/>
@@ -3638,686 +3638,6 @@
           </a:p>
         </p:txBody>
       </p:sp>
-      <p:sp>
-        <p:nvSpPr>
-          <p:cNvPr id="6" name="Content Placeholder 2">
-            <a:extLst>
-              <a:ext uri="{FF2B5EF4-FFF2-40B4-BE49-F238E27FC236}">
-                <a16:creationId xmlns:a16="http://schemas.microsoft.com/office/drawing/2014/main" id="{F5DFFB0B-1F38-954B-8C43-533432F3476A}"/>
-              </a:ext>
-            </a:extLst>
-          </p:cNvPr>
-          <p:cNvSpPr txBox="1">
-            <a:spLocks/>
-          </p:cNvSpPr>
-          <p:nvPr/>
-        </p:nvSpPr>
-        <p:spPr>
-          <a:xfrm>
-            <a:off x="27878" y="1680129"/>
-            <a:ext cx="2145792" cy="737870"/>
-          </a:xfrm>
-          <a:prstGeom prst="rect">
-            <a:avLst/>
-          </a:prstGeom>
-        </p:spPr>
-        <p:txBody>
-          <a:bodyPr vert="horz" lIns="91440" tIns="45720" rIns="91440" bIns="45720" rtlCol="0">
-            <a:normAutofit/>
-          </a:bodyPr>
-          <a:lstStyle>
-            <a:lvl1pPr marL="228600" indent="-228600" algn="l" defTabSz="914400" rtl="0" eaLnBrk="1" latinLnBrk="0" hangingPunct="1">
-              <a:lnSpc>
-                <a:spcPct val="90000"/>
-              </a:lnSpc>
-              <a:spcBef>
-                <a:spcPts val="1000"/>
-              </a:spcBef>
-              <a:buFont typeface="Arial" panose="020B0604020202020204" pitchFamily="34" charset="0"/>
-              <a:buChar char="•"/>
-              <a:defRPr sz="2800" kern="1200">
-                <a:solidFill>
-                  <a:schemeClr val="tx1"/>
-                </a:solidFill>
-                <a:latin typeface="+mn-lt"/>
-                <a:ea typeface="+mn-ea"/>
-                <a:cs typeface="+mn-cs"/>
-              </a:defRPr>
-            </a:lvl1pPr>
-            <a:lvl2pPr marL="685800" indent="-228600" algn="l" defTabSz="914400" rtl="0" eaLnBrk="1" latinLnBrk="0" hangingPunct="1">
-              <a:lnSpc>
-                <a:spcPct val="90000"/>
-              </a:lnSpc>
-              <a:spcBef>
-                <a:spcPts val="500"/>
-              </a:spcBef>
-              <a:buFont typeface="Arial" panose="020B0604020202020204" pitchFamily="34" charset="0"/>
-              <a:buChar char="•"/>
-              <a:defRPr sz="2400" kern="1200">
-                <a:solidFill>
-                  <a:schemeClr val="tx1"/>
-                </a:solidFill>
-                <a:latin typeface="+mn-lt"/>
-                <a:ea typeface="+mn-ea"/>
-                <a:cs typeface="+mn-cs"/>
-              </a:defRPr>
-            </a:lvl2pPr>
-            <a:lvl3pPr marL="1143000" indent="-228600" algn="l" defTabSz="914400" rtl="0" eaLnBrk="1" latinLnBrk="0" hangingPunct="1">
-              <a:lnSpc>
-                <a:spcPct val="90000"/>
-              </a:lnSpc>
-              <a:spcBef>
-                <a:spcPts val="500"/>
-              </a:spcBef>
-              <a:buFont typeface="Arial" panose="020B0604020202020204" pitchFamily="34" charset="0"/>
-              <a:buChar char="•"/>
-              <a:defRPr sz="2000" kern="1200">
-                <a:solidFill>
-                  <a:schemeClr val="tx1"/>
-                </a:solidFill>
-                <a:latin typeface="+mn-lt"/>
-                <a:ea typeface="+mn-ea"/>
-                <a:cs typeface="+mn-cs"/>
-              </a:defRPr>
-            </a:lvl3pPr>
-            <a:lvl4pPr marL="1600200" indent="-228600" algn="l" defTabSz="914400" rtl="0" eaLnBrk="1" latinLnBrk="0" hangingPunct="1">
-              <a:lnSpc>
-                <a:spcPct val="90000"/>
-              </a:lnSpc>
-              <a:spcBef>
-                <a:spcPts val="500"/>
-              </a:spcBef>
-              <a:buFont typeface="Arial" panose="020B0604020202020204" pitchFamily="34" charset="0"/>
-              <a:buChar char="•"/>
-              <a:defRPr sz="1800" kern="1200">
-                <a:solidFill>
-                  <a:schemeClr val="tx1"/>
-                </a:solidFill>
-                <a:latin typeface="+mn-lt"/>
-                <a:ea typeface="+mn-ea"/>
-                <a:cs typeface="+mn-cs"/>
-              </a:defRPr>
-            </a:lvl4pPr>
-            <a:lvl5pPr marL="2057400" indent="-228600" algn="l" defTabSz="914400" rtl="0" eaLnBrk="1" latinLnBrk="0" hangingPunct="1">
-              <a:lnSpc>
-                <a:spcPct val="90000"/>
-              </a:lnSpc>
-              <a:spcBef>
-                <a:spcPts val="500"/>
-              </a:spcBef>
-              <a:buFont typeface="Arial" panose="020B0604020202020204" pitchFamily="34" charset="0"/>
-              <a:buChar char="•"/>
-              <a:defRPr sz="1800" kern="1200">
-                <a:solidFill>
-                  <a:schemeClr val="tx1"/>
-                </a:solidFill>
-                <a:latin typeface="+mn-lt"/>
-                <a:ea typeface="+mn-ea"/>
-                <a:cs typeface="+mn-cs"/>
-              </a:defRPr>
-            </a:lvl5pPr>
-            <a:lvl6pPr marL="2514600" indent="-228600" algn="l" defTabSz="914400" rtl="0" eaLnBrk="1" latinLnBrk="0" hangingPunct="1">
-              <a:lnSpc>
-                <a:spcPct val="90000"/>
-              </a:lnSpc>
-              <a:spcBef>
-                <a:spcPts val="500"/>
-              </a:spcBef>
-              <a:buFont typeface="Arial" panose="020B0604020202020204" pitchFamily="34" charset="0"/>
-              <a:buChar char="•"/>
-              <a:defRPr sz="1800" kern="1200">
-                <a:solidFill>
-                  <a:schemeClr val="tx1"/>
-                </a:solidFill>
-                <a:latin typeface="+mn-lt"/>
-                <a:ea typeface="+mn-ea"/>
-                <a:cs typeface="+mn-cs"/>
-              </a:defRPr>
-            </a:lvl6pPr>
-            <a:lvl7pPr marL="2971800" indent="-228600" algn="l" defTabSz="914400" rtl="0" eaLnBrk="1" latinLnBrk="0" hangingPunct="1">
-              <a:lnSpc>
-                <a:spcPct val="90000"/>
-              </a:lnSpc>
-              <a:spcBef>
-                <a:spcPts val="500"/>
-              </a:spcBef>
-              <a:buFont typeface="Arial" panose="020B0604020202020204" pitchFamily="34" charset="0"/>
-              <a:buChar char="•"/>
-              <a:defRPr sz="1800" kern="1200">
-                <a:solidFill>
-                  <a:schemeClr val="tx1"/>
-                </a:solidFill>
-                <a:latin typeface="+mn-lt"/>
-                <a:ea typeface="+mn-ea"/>
-                <a:cs typeface="+mn-cs"/>
-              </a:defRPr>
-            </a:lvl7pPr>
-            <a:lvl8pPr marL="3429000" indent="-228600" algn="l" defTabSz="914400" rtl="0" eaLnBrk="1" latinLnBrk="0" hangingPunct="1">
-              <a:lnSpc>
-                <a:spcPct val="90000"/>
-              </a:lnSpc>
-              <a:spcBef>
-                <a:spcPts val="500"/>
-              </a:spcBef>
-              <a:buFont typeface="Arial" panose="020B0604020202020204" pitchFamily="34" charset="0"/>
-              <a:buChar char="•"/>
-              <a:defRPr sz="1800" kern="1200">
-                <a:solidFill>
-                  <a:schemeClr val="tx1"/>
-                </a:solidFill>
-                <a:latin typeface="+mn-lt"/>
-                <a:ea typeface="+mn-ea"/>
-                <a:cs typeface="+mn-cs"/>
-              </a:defRPr>
-            </a:lvl8pPr>
-            <a:lvl9pPr marL="3886200" indent="-228600" algn="l" defTabSz="914400" rtl="0" eaLnBrk="1" latinLnBrk="0" hangingPunct="1">
-              <a:lnSpc>
-                <a:spcPct val="90000"/>
-              </a:lnSpc>
-              <a:spcBef>
-                <a:spcPts val="500"/>
-              </a:spcBef>
-              <a:buFont typeface="Arial" panose="020B0604020202020204" pitchFamily="34" charset="0"/>
-              <a:buChar char="•"/>
-              <a:defRPr sz="1800" kern="1200">
-                <a:solidFill>
-                  <a:schemeClr val="tx1"/>
-                </a:solidFill>
-                <a:latin typeface="+mn-lt"/>
-                <a:ea typeface="+mn-ea"/>
-                <a:cs typeface="+mn-cs"/>
-              </a:defRPr>
-            </a:lvl9pPr>
-          </a:lstStyle>
-          <a:p>
-            <a:pPr marL="0" indent="0" algn="ctr">
-              <a:buFont typeface="Arial" panose="020B0604020202020204" pitchFamily="34" charset="0"/>
-              <a:buNone/>
-            </a:pPr>
-            <a:r>
-              <a:rPr lang="en-US" sz="4400" dirty="0"/>
-              <a:t>Burden</a:t>
-            </a:r>
-          </a:p>
-          <a:p>
-            <a:pPr marL="0" indent="0">
-              <a:buFont typeface="Arial" panose="020B0604020202020204" pitchFamily="34" charset="0"/>
-              <a:buNone/>
-            </a:pPr>
-            <a:endParaRPr lang="en-US" dirty="0"/>
-          </a:p>
-          <a:p>
-            <a:pPr marL="0" indent="0">
-              <a:buFont typeface="Arial" panose="020B0604020202020204" pitchFamily="34" charset="0"/>
-              <a:buNone/>
-            </a:pPr>
-            <a:endParaRPr lang="en-US" dirty="0"/>
-          </a:p>
-          <a:p>
-            <a:pPr marL="0" indent="0">
-              <a:buFont typeface="Arial" panose="020B0604020202020204" pitchFamily="34" charset="0"/>
-              <a:buNone/>
-            </a:pPr>
-            <a:endParaRPr lang="en-US" dirty="0"/>
-          </a:p>
-        </p:txBody>
-      </p:sp>
-      <p:sp>
-        <p:nvSpPr>
-          <p:cNvPr id="7" name="Content Placeholder 2">
-            <a:extLst>
-              <a:ext uri="{FF2B5EF4-FFF2-40B4-BE49-F238E27FC236}">
-                <a16:creationId xmlns:a16="http://schemas.microsoft.com/office/drawing/2014/main" id="{6DCE98EF-D9C3-9247-A15A-9AD29150586F}"/>
-              </a:ext>
-            </a:extLst>
-          </p:cNvPr>
-          <p:cNvSpPr txBox="1">
-            <a:spLocks/>
-          </p:cNvSpPr>
-          <p:nvPr/>
-        </p:nvSpPr>
-        <p:spPr>
-          <a:xfrm>
-            <a:off x="-109728" y="4692008"/>
-            <a:ext cx="2377440" cy="737870"/>
-          </a:xfrm>
-          <a:prstGeom prst="rect">
-            <a:avLst/>
-          </a:prstGeom>
-        </p:spPr>
-        <p:txBody>
-          <a:bodyPr vert="horz" lIns="91440" tIns="45720" rIns="91440" bIns="45720" rtlCol="0">
-            <a:normAutofit/>
-          </a:bodyPr>
-          <a:lstStyle>
-            <a:lvl1pPr marL="228600" indent="-228600" algn="l" defTabSz="914400" rtl="0" eaLnBrk="1" latinLnBrk="0" hangingPunct="1">
-              <a:lnSpc>
-                <a:spcPct val="90000"/>
-              </a:lnSpc>
-              <a:spcBef>
-                <a:spcPts val="1000"/>
-              </a:spcBef>
-              <a:buFont typeface="Arial" panose="020B0604020202020204" pitchFamily="34" charset="0"/>
-              <a:buChar char="•"/>
-              <a:defRPr sz="2800" kern="1200">
-                <a:solidFill>
-                  <a:schemeClr val="tx1"/>
-                </a:solidFill>
-                <a:latin typeface="+mn-lt"/>
-                <a:ea typeface="+mn-ea"/>
-                <a:cs typeface="+mn-cs"/>
-              </a:defRPr>
-            </a:lvl1pPr>
-            <a:lvl2pPr marL="685800" indent="-228600" algn="l" defTabSz="914400" rtl="0" eaLnBrk="1" latinLnBrk="0" hangingPunct="1">
-              <a:lnSpc>
-                <a:spcPct val="90000"/>
-              </a:lnSpc>
-              <a:spcBef>
-                <a:spcPts val="500"/>
-              </a:spcBef>
-              <a:buFont typeface="Arial" panose="020B0604020202020204" pitchFamily="34" charset="0"/>
-              <a:buChar char="•"/>
-              <a:defRPr sz="2400" kern="1200">
-                <a:solidFill>
-                  <a:schemeClr val="tx1"/>
-                </a:solidFill>
-                <a:latin typeface="+mn-lt"/>
-                <a:ea typeface="+mn-ea"/>
-                <a:cs typeface="+mn-cs"/>
-              </a:defRPr>
-            </a:lvl2pPr>
-            <a:lvl3pPr marL="1143000" indent="-228600" algn="l" defTabSz="914400" rtl="0" eaLnBrk="1" latinLnBrk="0" hangingPunct="1">
-              <a:lnSpc>
-                <a:spcPct val="90000"/>
-              </a:lnSpc>
-              <a:spcBef>
-                <a:spcPts val="500"/>
-              </a:spcBef>
-              <a:buFont typeface="Arial" panose="020B0604020202020204" pitchFamily="34" charset="0"/>
-              <a:buChar char="•"/>
-              <a:defRPr sz="2000" kern="1200">
-                <a:solidFill>
-                  <a:schemeClr val="tx1"/>
-                </a:solidFill>
-                <a:latin typeface="+mn-lt"/>
-                <a:ea typeface="+mn-ea"/>
-                <a:cs typeface="+mn-cs"/>
-              </a:defRPr>
-            </a:lvl3pPr>
-            <a:lvl4pPr marL="1600200" indent="-228600" algn="l" defTabSz="914400" rtl="0" eaLnBrk="1" latinLnBrk="0" hangingPunct="1">
-              <a:lnSpc>
-                <a:spcPct val="90000"/>
-              </a:lnSpc>
-              <a:spcBef>
-                <a:spcPts val="500"/>
-              </a:spcBef>
-              <a:buFont typeface="Arial" panose="020B0604020202020204" pitchFamily="34" charset="0"/>
-              <a:buChar char="•"/>
-              <a:defRPr sz="1800" kern="1200">
-                <a:solidFill>
-                  <a:schemeClr val="tx1"/>
-                </a:solidFill>
-                <a:latin typeface="+mn-lt"/>
-                <a:ea typeface="+mn-ea"/>
-                <a:cs typeface="+mn-cs"/>
-              </a:defRPr>
-            </a:lvl4pPr>
-            <a:lvl5pPr marL="2057400" indent="-228600" algn="l" defTabSz="914400" rtl="0" eaLnBrk="1" latinLnBrk="0" hangingPunct="1">
-              <a:lnSpc>
-                <a:spcPct val="90000"/>
-              </a:lnSpc>
-              <a:spcBef>
-                <a:spcPts val="500"/>
-              </a:spcBef>
-              <a:buFont typeface="Arial" panose="020B0604020202020204" pitchFamily="34" charset="0"/>
-              <a:buChar char="•"/>
-              <a:defRPr sz="1800" kern="1200">
-                <a:solidFill>
-                  <a:schemeClr val="tx1"/>
-                </a:solidFill>
-                <a:latin typeface="+mn-lt"/>
-                <a:ea typeface="+mn-ea"/>
-                <a:cs typeface="+mn-cs"/>
-              </a:defRPr>
-            </a:lvl5pPr>
-            <a:lvl6pPr marL="2514600" indent="-228600" algn="l" defTabSz="914400" rtl="0" eaLnBrk="1" latinLnBrk="0" hangingPunct="1">
-              <a:lnSpc>
-                <a:spcPct val="90000"/>
-              </a:lnSpc>
-              <a:spcBef>
-                <a:spcPts val="500"/>
-              </a:spcBef>
-              <a:buFont typeface="Arial" panose="020B0604020202020204" pitchFamily="34" charset="0"/>
-              <a:buChar char="•"/>
-              <a:defRPr sz="1800" kern="1200">
-                <a:solidFill>
-                  <a:schemeClr val="tx1"/>
-                </a:solidFill>
-                <a:latin typeface="+mn-lt"/>
-                <a:ea typeface="+mn-ea"/>
-                <a:cs typeface="+mn-cs"/>
-              </a:defRPr>
-            </a:lvl6pPr>
-            <a:lvl7pPr marL="2971800" indent="-228600" algn="l" defTabSz="914400" rtl="0" eaLnBrk="1" latinLnBrk="0" hangingPunct="1">
-              <a:lnSpc>
-                <a:spcPct val="90000"/>
-              </a:lnSpc>
-              <a:spcBef>
-                <a:spcPts val="500"/>
-              </a:spcBef>
-              <a:buFont typeface="Arial" panose="020B0604020202020204" pitchFamily="34" charset="0"/>
-              <a:buChar char="•"/>
-              <a:defRPr sz="1800" kern="1200">
-                <a:solidFill>
-                  <a:schemeClr val="tx1"/>
-                </a:solidFill>
-                <a:latin typeface="+mn-lt"/>
-                <a:ea typeface="+mn-ea"/>
-                <a:cs typeface="+mn-cs"/>
-              </a:defRPr>
-            </a:lvl7pPr>
-            <a:lvl8pPr marL="3429000" indent="-228600" algn="l" defTabSz="914400" rtl="0" eaLnBrk="1" latinLnBrk="0" hangingPunct="1">
-              <a:lnSpc>
-                <a:spcPct val="90000"/>
-              </a:lnSpc>
-              <a:spcBef>
-                <a:spcPts val="500"/>
-              </a:spcBef>
-              <a:buFont typeface="Arial" panose="020B0604020202020204" pitchFamily="34" charset="0"/>
-              <a:buChar char="•"/>
-              <a:defRPr sz="1800" kern="1200">
-                <a:solidFill>
-                  <a:schemeClr val="tx1"/>
-                </a:solidFill>
-                <a:latin typeface="+mn-lt"/>
-                <a:ea typeface="+mn-ea"/>
-                <a:cs typeface="+mn-cs"/>
-              </a:defRPr>
-            </a:lvl8pPr>
-            <a:lvl9pPr marL="3886200" indent="-228600" algn="l" defTabSz="914400" rtl="0" eaLnBrk="1" latinLnBrk="0" hangingPunct="1">
-              <a:lnSpc>
-                <a:spcPct val="90000"/>
-              </a:lnSpc>
-              <a:spcBef>
-                <a:spcPts val="500"/>
-              </a:spcBef>
-              <a:buFont typeface="Arial" panose="020B0604020202020204" pitchFamily="34" charset="0"/>
-              <a:buChar char="•"/>
-              <a:defRPr sz="1800" kern="1200">
-                <a:solidFill>
-                  <a:schemeClr val="tx1"/>
-                </a:solidFill>
-                <a:latin typeface="+mn-lt"/>
-                <a:ea typeface="+mn-ea"/>
-                <a:cs typeface="+mn-cs"/>
-              </a:defRPr>
-            </a:lvl9pPr>
-          </a:lstStyle>
-          <a:p>
-            <a:pPr marL="0" indent="0" algn="ctr">
-              <a:buFont typeface="Arial" panose="020B0604020202020204" pitchFamily="34" charset="0"/>
-              <a:buNone/>
-            </a:pPr>
-            <a:r>
-              <a:rPr lang="en-US" sz="4400" dirty="0"/>
-              <a:t>Behavior</a:t>
-            </a:r>
-          </a:p>
-          <a:p>
-            <a:pPr marL="0" indent="0">
-              <a:buFont typeface="Arial" panose="020B0604020202020204" pitchFamily="34" charset="0"/>
-              <a:buNone/>
-            </a:pPr>
-            <a:endParaRPr lang="en-US" dirty="0"/>
-          </a:p>
-          <a:p>
-            <a:pPr marL="0" indent="0">
-              <a:buFont typeface="Arial" panose="020B0604020202020204" pitchFamily="34" charset="0"/>
-              <a:buNone/>
-            </a:pPr>
-            <a:endParaRPr lang="en-US" dirty="0"/>
-          </a:p>
-          <a:p>
-            <a:pPr marL="0" indent="0">
-              <a:buFont typeface="Arial" panose="020B0604020202020204" pitchFamily="34" charset="0"/>
-              <a:buNone/>
-            </a:pPr>
-            <a:endParaRPr lang="en-US" dirty="0"/>
-          </a:p>
-        </p:txBody>
-      </p:sp>
-      <p:cxnSp>
-        <p:nvCxnSpPr>
-          <p:cNvPr id="10" name="Straight Connector 9">
-            <a:extLst>
-              <a:ext uri="{FF2B5EF4-FFF2-40B4-BE49-F238E27FC236}">
-                <a16:creationId xmlns:a16="http://schemas.microsoft.com/office/drawing/2014/main" id="{20E7E2E8-0EB8-904C-A333-C130CD3267C7}"/>
-              </a:ext>
-            </a:extLst>
-          </p:cNvPr>
-          <p:cNvCxnSpPr/>
-          <p:nvPr/>
-        </p:nvCxnSpPr>
-        <p:spPr>
-          <a:xfrm>
-            <a:off x="2228534" y="769269"/>
-            <a:ext cx="0" cy="5598414"/>
-          </a:xfrm>
-          <a:prstGeom prst="line">
-            <a:avLst/>
-          </a:prstGeom>
-          <a:ln w="28575"/>
-        </p:spPr>
-        <p:style>
-          <a:lnRef idx="1">
-            <a:schemeClr val="dk1"/>
-          </a:lnRef>
-          <a:fillRef idx="0">
-            <a:schemeClr val="dk1"/>
-          </a:fillRef>
-          <a:effectRef idx="0">
-            <a:schemeClr val="dk1"/>
-          </a:effectRef>
-          <a:fontRef idx="minor">
-            <a:schemeClr val="tx1"/>
-          </a:fontRef>
-        </p:style>
-      </p:cxnSp>
-      <p:cxnSp>
-        <p:nvCxnSpPr>
-          <p:cNvPr id="11" name="Straight Connector 10">
-            <a:extLst>
-              <a:ext uri="{FF2B5EF4-FFF2-40B4-BE49-F238E27FC236}">
-                <a16:creationId xmlns:a16="http://schemas.microsoft.com/office/drawing/2014/main" id="{5914B08C-DDC2-4746-BE37-2ED4BAF9B95D}"/>
-              </a:ext>
-            </a:extLst>
-          </p:cNvPr>
-          <p:cNvCxnSpPr>
-            <a:cxnSpLocks/>
-          </p:cNvCxnSpPr>
-          <p:nvPr/>
-        </p:nvCxnSpPr>
-        <p:spPr>
-          <a:xfrm>
-            <a:off x="6724334" y="769269"/>
-            <a:ext cx="0" cy="5598414"/>
-          </a:xfrm>
-          <a:prstGeom prst="line">
-            <a:avLst/>
-          </a:prstGeom>
-          <a:ln w="28575"/>
-        </p:spPr>
-        <p:style>
-          <a:lnRef idx="1">
-            <a:schemeClr val="dk1"/>
-          </a:lnRef>
-          <a:fillRef idx="0">
-            <a:schemeClr val="dk1"/>
-          </a:fillRef>
-          <a:effectRef idx="0">
-            <a:schemeClr val="dk1"/>
-          </a:effectRef>
-          <a:fontRef idx="minor">
-            <a:schemeClr val="tx1"/>
-          </a:fontRef>
-        </p:style>
-      </p:cxnSp>
-      <p:cxnSp>
-        <p:nvCxnSpPr>
-          <p:cNvPr id="13" name="Straight Connector 12">
-            <a:extLst>
-              <a:ext uri="{FF2B5EF4-FFF2-40B4-BE49-F238E27FC236}">
-                <a16:creationId xmlns:a16="http://schemas.microsoft.com/office/drawing/2014/main" id="{8B4D9DCF-43DD-8948-83DF-847F88A83C83}"/>
-              </a:ext>
-            </a:extLst>
-          </p:cNvPr>
-          <p:cNvCxnSpPr>
-            <a:cxnSpLocks/>
-          </p:cNvCxnSpPr>
-          <p:nvPr/>
-        </p:nvCxnSpPr>
-        <p:spPr>
-          <a:xfrm>
-            <a:off x="2530286" y="3222147"/>
-            <a:ext cx="3931920" cy="0"/>
-          </a:xfrm>
-          <a:prstGeom prst="line">
-            <a:avLst/>
-          </a:prstGeom>
-          <a:ln w="28575"/>
-        </p:spPr>
-        <p:style>
-          <a:lnRef idx="1">
-            <a:schemeClr val="dk1"/>
-          </a:lnRef>
-          <a:fillRef idx="0">
-            <a:schemeClr val="dk1"/>
-          </a:fillRef>
-          <a:effectRef idx="0">
-            <a:schemeClr val="dk1"/>
-          </a:effectRef>
-          <a:fontRef idx="minor">
-            <a:schemeClr val="tx1"/>
-          </a:fontRef>
-        </p:style>
-      </p:cxnSp>
-      <p:cxnSp>
-        <p:nvCxnSpPr>
-          <p:cNvPr id="16" name="Straight Connector 15">
-            <a:extLst>
-              <a:ext uri="{FF2B5EF4-FFF2-40B4-BE49-F238E27FC236}">
-                <a16:creationId xmlns:a16="http://schemas.microsoft.com/office/drawing/2014/main" id="{455F0522-D66E-3D45-890D-A26CC71A5C0C}"/>
-              </a:ext>
-            </a:extLst>
-          </p:cNvPr>
-          <p:cNvCxnSpPr>
-            <a:cxnSpLocks/>
-          </p:cNvCxnSpPr>
-          <p:nvPr/>
-        </p:nvCxnSpPr>
-        <p:spPr>
-          <a:xfrm>
-            <a:off x="6962078" y="3222147"/>
-            <a:ext cx="3931920" cy="0"/>
-          </a:xfrm>
-          <a:prstGeom prst="line">
-            <a:avLst/>
-          </a:prstGeom>
-          <a:ln w="28575"/>
-        </p:spPr>
-        <p:style>
-          <a:lnRef idx="1">
-            <a:schemeClr val="dk1"/>
-          </a:lnRef>
-          <a:fillRef idx="0">
-            <a:schemeClr val="dk1"/>
-          </a:fillRef>
-          <a:effectRef idx="0">
-            <a:schemeClr val="dk1"/>
-          </a:effectRef>
-          <a:fontRef idx="minor">
-            <a:schemeClr val="tx1"/>
-          </a:fontRef>
-        </p:style>
-      </p:cxnSp>
-      <p:cxnSp>
-        <p:nvCxnSpPr>
-          <p:cNvPr id="17" name="Straight Connector 16">
-            <a:extLst>
-              <a:ext uri="{FF2B5EF4-FFF2-40B4-BE49-F238E27FC236}">
-                <a16:creationId xmlns:a16="http://schemas.microsoft.com/office/drawing/2014/main" id="{198689F2-6D96-4C4D-8827-32E18F0FDF02}"/>
-              </a:ext>
-            </a:extLst>
-          </p:cNvPr>
-          <p:cNvCxnSpPr>
-            <a:cxnSpLocks/>
-          </p:cNvCxnSpPr>
-          <p:nvPr/>
-        </p:nvCxnSpPr>
-        <p:spPr>
-          <a:xfrm>
-            <a:off x="2530286" y="936147"/>
-            <a:ext cx="3931920" cy="0"/>
-          </a:xfrm>
-          <a:prstGeom prst="line">
-            <a:avLst/>
-          </a:prstGeom>
-          <a:ln w="28575"/>
-        </p:spPr>
-        <p:style>
-          <a:lnRef idx="1">
-            <a:schemeClr val="dk1"/>
-          </a:lnRef>
-          <a:fillRef idx="0">
-            <a:schemeClr val="dk1"/>
-          </a:fillRef>
-          <a:effectRef idx="0">
-            <a:schemeClr val="dk1"/>
-          </a:effectRef>
-          <a:fontRef idx="minor">
-            <a:schemeClr val="tx1"/>
-          </a:fontRef>
-        </p:style>
-      </p:cxnSp>
-      <p:cxnSp>
-        <p:nvCxnSpPr>
-          <p:cNvPr id="18" name="Straight Connector 17">
-            <a:extLst>
-              <a:ext uri="{FF2B5EF4-FFF2-40B4-BE49-F238E27FC236}">
-                <a16:creationId xmlns:a16="http://schemas.microsoft.com/office/drawing/2014/main" id="{EF3D458F-E18F-8C44-B4E4-BF5747199504}"/>
-              </a:ext>
-            </a:extLst>
-          </p:cNvPr>
-          <p:cNvCxnSpPr>
-            <a:cxnSpLocks/>
-          </p:cNvCxnSpPr>
-          <p:nvPr/>
-        </p:nvCxnSpPr>
-        <p:spPr>
-          <a:xfrm>
-            <a:off x="6962078" y="939195"/>
-            <a:ext cx="3931920" cy="0"/>
-          </a:xfrm>
-          <a:prstGeom prst="line">
-            <a:avLst/>
-          </a:prstGeom>
-          <a:ln w="28575"/>
-        </p:spPr>
-        <p:style>
-          <a:lnRef idx="1">
-            <a:schemeClr val="dk1"/>
-          </a:lnRef>
-          <a:fillRef idx="0">
-            <a:schemeClr val="dk1"/>
-          </a:fillRef>
-          <a:effectRef idx="0">
-            <a:schemeClr val="dk1"/>
-          </a:effectRef>
-          <a:fontRef idx="minor">
-            <a:schemeClr val="tx1"/>
-          </a:fontRef>
-        </p:style>
-      </p:cxnSp>
       <p:pic>
         <p:nvPicPr>
           <p:cNvPr id="20" name="Picture 19" descr="A silhouette of a person&#10;&#10;Description automatically generated with low confidence">
@@ -4340,7 +3660,7 @@
         </p:blipFill>
         <p:spPr>
           <a:xfrm>
-            <a:off x="7606734" y="3813792"/>
+            <a:off x="5492286" y="1220825"/>
             <a:ext cx="2971791" cy="2632804"/>
           </a:xfrm>
           <a:prstGeom prst="rect">
@@ -4362,8 +3682,8 @@
         </p:nvSpPr>
         <p:spPr>
           <a:xfrm>
-            <a:off x="3138052" y="6161944"/>
-            <a:ext cx="2889504" cy="868680"/>
+            <a:off x="1085386" y="3837464"/>
+            <a:ext cx="2889504" cy="1395758"/>
           </a:xfrm>
           <a:prstGeom prst="rect">
             <a:avLst/>
@@ -4414,8 +3734,8 @@
         </p:nvSpPr>
         <p:spPr>
           <a:xfrm>
-            <a:off x="2757544" y="5581300"/>
-            <a:ext cx="3337735" cy="699479"/>
+            <a:off x="1085386" y="3700402"/>
+            <a:ext cx="3337735" cy="147172"/>
           </a:xfrm>
           <a:prstGeom prst="rect">
             <a:avLst/>
@@ -4466,7 +3786,7 @@
         </p:nvSpPr>
         <p:spPr>
           <a:xfrm>
-            <a:off x="2283399" y="4712620"/>
+            <a:off x="379550" y="2833734"/>
             <a:ext cx="1783256" cy="868680"/>
           </a:xfrm>
           <a:prstGeom prst="rect">
@@ -4518,7 +3838,7 @@
         </p:nvSpPr>
         <p:spPr>
           <a:xfrm>
-            <a:off x="5828137" y="5412098"/>
+            <a:off x="3924288" y="3533212"/>
             <a:ext cx="597672" cy="177837"/>
           </a:xfrm>
           <a:prstGeom prst="rect">
@@ -4570,7 +3890,7 @@
         </p:nvSpPr>
         <p:spPr>
           <a:xfrm>
-            <a:off x="5579903" y="5383273"/>
+            <a:off x="3676054" y="3504387"/>
             <a:ext cx="597672" cy="206662"/>
           </a:xfrm>
           <a:prstGeom prst="rect">
@@ -4622,7 +3942,7 @@
         </p:nvSpPr>
         <p:spPr>
           <a:xfrm>
-            <a:off x="4844250" y="4666391"/>
+            <a:off x="2975123" y="2787505"/>
             <a:ext cx="956630" cy="962152"/>
           </a:xfrm>
           <a:prstGeom prst="ellipse">
@@ -4668,8 +3988,8 @@
         </p:nvSpPr>
         <p:spPr>
           <a:xfrm>
-            <a:off x="8293234" y="6488668"/>
-            <a:ext cx="2493952" cy="369332"/>
+            <a:off x="6662584" y="3952113"/>
+            <a:ext cx="1718356" cy="276999"/>
           </a:xfrm>
           <a:prstGeom prst="rect">
             <a:avLst/>
@@ -4683,228 +4003,184 @@
           <a:lstStyle/>
           <a:p>
             <a:r>
-              <a:rPr lang="en-US" dirty="0">
+              <a:rPr lang="en-US" sz="1200" dirty="0">
                 <a:hlinkClick r:id="rId3"/>
               </a:rPr>
               <a:t>https://openclipart.org/</a:t>
             </a:r>
             <a:r>
-              <a:rPr lang="en-US" dirty="0"/>
+              <a:rPr lang="en-US" sz="1200" dirty="0"/>
               <a:t> </a:t>
             </a:r>
           </a:p>
         </p:txBody>
       </p:sp>
-      <p:pic>
-        <p:nvPicPr>
-          <p:cNvPr id="39" name="Picture 38">
-            <a:extLst>
-              <a:ext uri="{FF2B5EF4-FFF2-40B4-BE49-F238E27FC236}">
-                <a16:creationId xmlns:a16="http://schemas.microsoft.com/office/drawing/2014/main" id="{E3CE3338-9B72-9D45-B749-FFA8DA17D350}"/>
-              </a:ext>
-            </a:extLst>
-          </p:cNvPr>
-          <p:cNvPicPr>
-            <a:picLocks noChangeAspect="1"/>
-          </p:cNvPicPr>
+      <p:sp>
+        <p:nvSpPr>
+          <p:cNvPr id="2" name="TextBox 1">
+            <a:extLst>
+              <a:ext uri="{FF2B5EF4-FFF2-40B4-BE49-F238E27FC236}">
+                <a16:creationId xmlns:a16="http://schemas.microsoft.com/office/drawing/2014/main" id="{DA68368D-C28F-2940-B865-C7F13158E562}"/>
+              </a:ext>
+            </a:extLst>
+          </p:cNvPr>
+          <p:cNvSpPr txBox="1"/>
           <p:nvPr/>
-        </p:nvPicPr>
-        <p:blipFill>
-          <a:blip r:embed="rId4"/>
-          <a:stretch>
-            <a:fillRect/>
-          </a:stretch>
-        </p:blipFill>
-        <p:spPr>
-          <a:xfrm>
-            <a:off x="4007756" y="1521501"/>
-            <a:ext cx="743989" cy="955410"/>
+        </p:nvSpPr>
+        <p:spPr>
+          <a:xfrm>
+            <a:off x="1891826" y="2121356"/>
+            <a:ext cx="835485" cy="923330"/>
           </a:xfrm>
           <a:prstGeom prst="rect">
             <a:avLst/>
           </a:prstGeom>
-        </p:spPr>
-      </p:pic>
-      <p:pic>
-        <p:nvPicPr>
-          <p:cNvPr id="40" name="Picture 39">
-            <a:extLst>
-              <a:ext uri="{FF2B5EF4-FFF2-40B4-BE49-F238E27FC236}">
-                <a16:creationId xmlns:a16="http://schemas.microsoft.com/office/drawing/2014/main" id="{191EB4B0-7FB0-8F44-93F0-BFF37C588766}"/>
-              </a:ext>
-            </a:extLst>
-          </p:cNvPr>
-          <p:cNvPicPr>
-            <a:picLocks noChangeAspect="1"/>
-          </p:cNvPicPr>
+          <a:noFill/>
+        </p:spPr>
+        <p:txBody>
+          <a:bodyPr wrap="square" rtlCol="0">
+            <a:spAutoFit/>
+          </a:bodyPr>
+          <a:lstStyle/>
+          <a:p>
+            <a:r>
+              <a:rPr lang="en-US" sz="5400" dirty="0"/>
+              <a:t>1x</a:t>
+            </a:r>
+          </a:p>
+        </p:txBody>
+      </p:sp>
+      <p:sp>
+        <p:nvSpPr>
+          <p:cNvPr id="32" name="TextBox 31">
+            <a:extLst>
+              <a:ext uri="{FF2B5EF4-FFF2-40B4-BE49-F238E27FC236}">
+                <a16:creationId xmlns:a16="http://schemas.microsoft.com/office/drawing/2014/main" id="{299D7C7B-B3C0-D749-BA7D-590F9E403FDB}"/>
+              </a:ext>
+            </a:extLst>
+          </p:cNvPr>
+          <p:cNvSpPr txBox="1"/>
           <p:nvPr/>
-        </p:nvPicPr>
-        <p:blipFill>
-          <a:blip r:embed="rId4"/>
-          <a:stretch>
-            <a:fillRect/>
-          </a:stretch>
-        </p:blipFill>
-        <p:spPr>
-          <a:xfrm>
-            <a:off x="7440615" y="1571359"/>
-            <a:ext cx="743989" cy="955410"/>
+        </p:nvSpPr>
+        <p:spPr>
+          <a:xfrm>
+            <a:off x="5398589" y="1727302"/>
+            <a:ext cx="1579592" cy="1323439"/>
           </a:xfrm>
           <a:prstGeom prst="rect">
             <a:avLst/>
           </a:prstGeom>
-        </p:spPr>
-      </p:pic>
-      <p:pic>
-        <p:nvPicPr>
-          <p:cNvPr id="44" name="Picture 43">
-            <a:extLst>
-              <a:ext uri="{FF2B5EF4-FFF2-40B4-BE49-F238E27FC236}">
-                <a16:creationId xmlns:a16="http://schemas.microsoft.com/office/drawing/2014/main" id="{2B560CA8-343E-734D-B1B2-FF91B4FB155D}"/>
-              </a:ext>
-            </a:extLst>
-          </p:cNvPr>
-          <p:cNvPicPr>
-            <a:picLocks noChangeAspect="1"/>
-          </p:cNvPicPr>
+          <a:noFill/>
+        </p:spPr>
+        <p:txBody>
+          <a:bodyPr wrap="square" rtlCol="0">
+            <a:spAutoFit/>
+          </a:bodyPr>
+          <a:lstStyle/>
+          <a:p>
+            <a:r>
+              <a:rPr lang="en-US" sz="4000" dirty="0"/>
+              <a:t>10x?</a:t>
+            </a:r>
+          </a:p>
+          <a:p>
+            <a:r>
+              <a:rPr lang="en-US" sz="4000" dirty="0"/>
+              <a:t>100x?</a:t>
+            </a:r>
+          </a:p>
+        </p:txBody>
+      </p:sp>
+      <p:sp>
+        <p:nvSpPr>
+          <p:cNvPr id="8" name="AutoShape 2" descr="\infty ">
+            <a:extLst>
+              <a:ext uri="{FF2B5EF4-FFF2-40B4-BE49-F238E27FC236}">
+                <a16:creationId xmlns:a16="http://schemas.microsoft.com/office/drawing/2014/main" id="{9339897A-5D7B-0E4C-90D2-D877F995269E}"/>
+              </a:ext>
+            </a:extLst>
+          </p:cNvPr>
+          <p:cNvSpPr>
+            <a:spLocks noChangeAspect="1" noChangeArrowheads="1"/>
+          </p:cNvSpPr>
           <p:nvPr/>
-        </p:nvPicPr>
-        <p:blipFill>
-          <a:blip r:embed="rId5"/>
-          <a:stretch>
-            <a:fillRect/>
-          </a:stretch>
-        </p:blipFill>
-        <p:spPr>
-          <a:xfrm>
-            <a:off x="9377224" y="1483443"/>
-            <a:ext cx="1302284" cy="1272115"/>
+        </p:nvSpPr>
+        <p:spPr bwMode="auto">
+          <a:xfrm>
+            <a:off x="112713" y="-144463"/>
+            <a:ext cx="304800" cy="304801"/>
           </a:xfrm>
           <a:prstGeom prst="rect">
             <a:avLst/>
           </a:prstGeom>
-        </p:spPr>
-      </p:pic>
-      <p:pic>
-        <p:nvPicPr>
-          <p:cNvPr id="45" name="Picture 44">
-            <a:extLst>
-              <a:ext uri="{FF2B5EF4-FFF2-40B4-BE49-F238E27FC236}">
-                <a16:creationId xmlns:a16="http://schemas.microsoft.com/office/drawing/2014/main" id="{8B3D63CD-6087-904F-B5A0-C12A2CA3ABDE}"/>
-              </a:ext>
-            </a:extLst>
-          </p:cNvPr>
-          <p:cNvPicPr>
-            <a:picLocks noChangeAspect="1"/>
-          </p:cNvPicPr>
+          <a:noFill/>
+          <a:extLst>
+            <a:ext uri="{909E8E84-426E-40DD-AFC4-6F175D3DCCD1}">
+              <a14:hiddenFill xmlns:a14="http://schemas.microsoft.com/office/drawing/2010/main">
+                <a:solidFill>
+                  <a:srgbClr val="FFFFFF"/>
+                </a:solidFill>
+              </a14:hiddenFill>
+            </a:ext>
+          </a:extLst>
+        </p:spPr>
+        <p:txBody>
+          <a:bodyPr vert="horz" wrap="square" lIns="91440" tIns="45720" rIns="91440" bIns="45720" numCol="1" anchor="t" anchorCtr="0" compatLnSpc="1">
+            <a:prstTxWarp prst="textNoShape">
+              <a:avLst/>
+            </a:prstTxWarp>
+          </a:bodyPr>
+          <a:lstStyle/>
+          <a:p>
+            <a:endParaRPr lang="en-US"/>
+          </a:p>
+        </p:txBody>
+      </p:sp>
+      <p:sp>
+        <p:nvSpPr>
+          <p:cNvPr id="12" name="AutoShape 4" descr="\infty ">
+            <a:extLst>
+              <a:ext uri="{FF2B5EF4-FFF2-40B4-BE49-F238E27FC236}">
+                <a16:creationId xmlns:a16="http://schemas.microsoft.com/office/drawing/2014/main" id="{8DB70CD4-0FA8-EF41-94BC-003FADC32FD5}"/>
+              </a:ext>
+            </a:extLst>
+          </p:cNvPr>
+          <p:cNvSpPr>
+            <a:spLocks noChangeAspect="1" noChangeArrowheads="1"/>
+          </p:cNvSpPr>
           <p:nvPr/>
-        </p:nvPicPr>
-        <p:blipFill>
-          <a:blip r:embed="rId6"/>
-          <a:stretch>
-            <a:fillRect/>
-          </a:stretch>
-        </p:blipFill>
-        <p:spPr>
-          <a:xfrm>
-            <a:off x="2752981" y="4682864"/>
-            <a:ext cx="610937" cy="898436"/>
+        </p:nvSpPr>
+        <p:spPr bwMode="auto">
+          <a:xfrm>
+            <a:off x="265113" y="7937"/>
+            <a:ext cx="304800" cy="304801"/>
           </a:xfrm>
           <a:prstGeom prst="rect">
             <a:avLst/>
           </a:prstGeom>
-        </p:spPr>
-      </p:pic>
-      <p:pic>
-        <p:nvPicPr>
-          <p:cNvPr id="46" name="Picture 45">
-            <a:extLst>
-              <a:ext uri="{FF2B5EF4-FFF2-40B4-BE49-F238E27FC236}">
-                <a16:creationId xmlns:a16="http://schemas.microsoft.com/office/drawing/2014/main" id="{C84C65D1-E0BC-9F42-A1AE-8C3FC4477320}"/>
-              </a:ext>
-            </a:extLst>
-          </p:cNvPr>
-          <p:cNvPicPr>
-            <a:picLocks noChangeAspect="1"/>
-          </p:cNvPicPr>
-          <p:nvPr/>
-        </p:nvPicPr>
-        <p:blipFill>
-          <a:blip r:embed="rId6"/>
-          <a:stretch>
-            <a:fillRect/>
-          </a:stretch>
-        </p:blipFill>
-        <p:spPr>
-          <a:xfrm>
-            <a:off x="6060726" y="4697742"/>
-            <a:ext cx="610937" cy="898436"/>
-          </a:xfrm>
-          <a:prstGeom prst="rect">
-            <a:avLst/>
-          </a:prstGeom>
-        </p:spPr>
-      </p:pic>
-      <p:pic>
-        <p:nvPicPr>
-          <p:cNvPr id="47" name="Picture 46">
-            <a:extLst>
-              <a:ext uri="{FF2B5EF4-FFF2-40B4-BE49-F238E27FC236}">
-                <a16:creationId xmlns:a16="http://schemas.microsoft.com/office/drawing/2014/main" id="{75333758-5AB8-D443-90CE-9E1224B1644D}"/>
-              </a:ext>
-            </a:extLst>
-          </p:cNvPr>
-          <p:cNvPicPr>
-            <a:picLocks noChangeAspect="1"/>
-          </p:cNvPicPr>
-          <p:nvPr/>
-        </p:nvPicPr>
-        <p:blipFill>
-          <a:blip r:embed="rId7"/>
-          <a:stretch>
-            <a:fillRect/>
-          </a:stretch>
-        </p:blipFill>
-        <p:spPr>
-          <a:xfrm>
-            <a:off x="7480592" y="4117892"/>
-            <a:ext cx="1216332" cy="691828"/>
-          </a:xfrm>
-          <a:prstGeom prst="rect">
-            <a:avLst/>
-          </a:prstGeom>
-        </p:spPr>
-      </p:pic>
-      <p:pic>
-        <p:nvPicPr>
-          <p:cNvPr id="19" name="Picture 18">
-            <a:extLst>
-              <a:ext uri="{FF2B5EF4-FFF2-40B4-BE49-F238E27FC236}">
-                <a16:creationId xmlns:a16="http://schemas.microsoft.com/office/drawing/2014/main" id="{331DA705-5E27-3542-9820-A799A090064C}"/>
-              </a:ext>
-            </a:extLst>
-          </p:cNvPr>
-          <p:cNvPicPr>
-            <a:picLocks noChangeAspect="1"/>
-          </p:cNvPicPr>
-          <p:nvPr/>
-        </p:nvPicPr>
-        <p:blipFill>
-          <a:blip r:embed="rId8"/>
-          <a:stretch>
-            <a:fillRect/>
-          </a:stretch>
-        </p:blipFill>
-        <p:spPr>
-          <a:xfrm>
-            <a:off x="8552314" y="1890900"/>
-            <a:ext cx="457200" cy="457200"/>
-          </a:xfrm>
-          <a:prstGeom prst="rect">
-            <a:avLst/>
-          </a:prstGeom>
-        </p:spPr>
-      </p:pic>
+          <a:noFill/>
+          <a:extLst>
+            <a:ext uri="{909E8E84-426E-40DD-AFC4-6F175D3DCCD1}">
+              <a14:hiddenFill xmlns:a14="http://schemas.microsoft.com/office/drawing/2010/main">
+                <a:solidFill>
+                  <a:srgbClr val="FFFFFF"/>
+                </a:solidFill>
+              </a14:hiddenFill>
+            </a:ext>
+          </a:extLst>
+        </p:spPr>
+        <p:txBody>
+          <a:bodyPr vert="horz" wrap="square" lIns="91440" tIns="45720" rIns="91440" bIns="45720" numCol="1" anchor="t" anchorCtr="0" compatLnSpc="1">
+            <a:prstTxWarp prst="textNoShape">
+              <a:avLst/>
+            </a:prstTxWarp>
+          </a:bodyPr>
+          <a:lstStyle/>
+          <a:p>
+            <a:endParaRPr lang="en-US"/>
+          </a:p>
+        </p:txBody>
+      </p:sp>
     </p:spTree>
     <p:extLst>
       <p:ext uri="{BB962C8B-B14F-4D97-AF65-F5344CB8AC3E}">
@@ -6129,8 +5405,8 @@
         </p:nvSpPr>
         <p:spPr>
           <a:xfrm>
-            <a:off x="9698048" y="6488668"/>
-            <a:ext cx="2493952" cy="369332"/>
+            <a:off x="9244975" y="6395725"/>
+            <a:ext cx="2947025" cy="461665"/>
           </a:xfrm>
           <a:prstGeom prst="rect">
             <a:avLst/>
@@ -6144,24 +5420,42 @@
           <a:lstStyle/>
           <a:p>
             <a:r>
-              <a:rPr lang="en-US" dirty="0">
+              <a:rPr lang="en-US" sz="1200" dirty="0">
                 <a:hlinkClick r:id="rId3"/>
               </a:rPr>
               <a:t>https://openclipart.org/</a:t>
             </a:r>
-            <a:r>
-              <a:rPr lang="en-US" dirty="0"/>
-              <a:t> </a:t>
-            </a:r>
+            <a:endParaRPr lang="en-US" sz="1200" dirty="0"/>
+          </a:p>
+          <a:p>
+            <a:r>
+              <a:rPr lang="en-US" sz="1200" dirty="0">
+                <a:hlinkClick r:id="rId4"/>
+              </a:rPr>
+              <a:t>https://</a:t>
+            </a:r>
+            <a:r>
+              <a:rPr lang="en-US" sz="1200" dirty="0" err="1">
+                <a:hlinkClick r:id="rId4"/>
+              </a:rPr>
+              <a:t>unsplash.com</a:t>
+            </a:r>
+            <a:r>
+              <a:rPr lang="en-US" sz="1200" dirty="0">
+                <a:hlinkClick r:id="rId4"/>
+              </a:rPr>
+              <a:t>/photos/_sh9vkVbVgo </a:t>
+            </a:r>
+            <a:endParaRPr lang="en-US" sz="1200" dirty="0"/>
           </a:p>
         </p:txBody>
       </p:sp>
       <p:pic>
         <p:nvPicPr>
-          <p:cNvPr id="3" name="Picture 2" descr="Icon&#10;&#10;Description automatically generated">
-            <a:extLst>
-              <a:ext uri="{FF2B5EF4-FFF2-40B4-BE49-F238E27FC236}">
-                <a16:creationId xmlns:a16="http://schemas.microsoft.com/office/drawing/2014/main" id="{B79CE5A7-CC45-0743-A7E8-9F20FFEA93EF}"/>
+          <p:cNvPr id="5" name="Picture 4" descr="A person covering her face with her hands&#10;&#10;Description automatically generated">
+            <a:extLst>
+              <a:ext uri="{FF2B5EF4-FFF2-40B4-BE49-F238E27FC236}">
+                <a16:creationId xmlns:a16="http://schemas.microsoft.com/office/drawing/2014/main" id="{E86E1B15-8D45-D849-91BC-06F96FCE82C8}"/>
               </a:ext>
             </a:extLst>
           </p:cNvPr>
@@ -6171,15 +5465,15 @@
           <p:nvPr/>
         </p:nvPicPr>
         <p:blipFill>
-          <a:blip r:embed="rId4"/>
+          <a:blip r:embed="rId5"/>
           <a:stretch>
             <a:fillRect/>
           </a:stretch>
         </p:blipFill>
         <p:spPr>
-          <a:xfrm flipH="1">
-            <a:off x="4000481" y="512113"/>
-            <a:ext cx="1779333" cy="2192511"/>
+          <a:xfrm>
+            <a:off x="3901719" y="650612"/>
+            <a:ext cx="1878095" cy="2103782"/>
           </a:xfrm>
           <a:prstGeom prst="rect">
             <a:avLst/>
